--- a/3_TOHOKU_ENG.pptx
+++ b/3_TOHOKU_ENG.pptx
@@ -15,6 +15,7 @@
     <p:sldId id="264" r:id="rId9"/>
     <p:sldId id="265" r:id="rId10"/>
     <p:sldId id="266" r:id="rId11"/>
+    <p:sldId id="269" r:id="rId12"/>
   </p:sldIdLst>
   <p:sldSz cx="9144000" cy="6858000" type="screen4x3"/>
   <p:notesSz cx="6858000" cy="9144000"/>
@@ -3465,6 +3466,2399 @@
     <p:extLst>
       <p:ext uri="{BB962C8B-B14F-4D97-AF65-F5344CB8AC3E}">
         <p14:creationId xmlns:p14="http://schemas.microsoft.com/office/powerpoint/2010/main" val="1258773664"/>
+      </p:ext>
+    </p:extLst>
+  </p:cSld>
+  <p:clrMapOvr>
+    <a:masterClrMapping/>
+  </p:clrMapOvr>
+  <p:timing>
+    <p:tnLst>
+      <p:par>
+        <p:cTn id="1" dur="indefinite" restart="never" nodeType="tmRoot"/>
+      </p:par>
+    </p:tnLst>
+  </p:timing>
+</p:sld>
+</file>
+
+<file path=ppt/slides/slide11.xml><?xml version="1.0" encoding="utf-8"?>
+<p:sld xmlns:a="http://schemas.openxmlformats.org/drawingml/2006/main" xmlns:r="http://schemas.openxmlformats.org/officeDocument/2006/relationships" xmlns:p="http://schemas.openxmlformats.org/presentationml/2006/main">
+  <p:cSld>
+    <p:bg>
+      <p:bgPr>
+        <a:solidFill>
+          <a:schemeClr val="bg1"/>
+        </a:solidFill>
+        <a:effectLst/>
+      </p:bgPr>
+    </p:bg>
+    <p:spTree>
+      <p:nvGrpSpPr>
+        <p:cNvPr id="1" name=""/>
+        <p:cNvGrpSpPr/>
+        <p:nvPr/>
+      </p:nvGrpSpPr>
+      <p:grpSpPr>
+        <a:xfrm>
+          <a:off x="0" y="0"/>
+          <a:ext cx="0" cy="0"/>
+          <a:chOff x="0" y="0"/>
+          <a:chExt cx="0" cy="0"/>
+        </a:xfrm>
+      </p:grpSpPr>
+      <p:sp>
+        <p:nvSpPr>
+          <p:cNvPr id="3" name="Espace réservé du contenu 2"/>
+          <p:cNvSpPr>
+            <a:spLocks noGrp="1"/>
+          </p:cNvSpPr>
+          <p:nvPr>
+            <p:ph idx="1"/>
+          </p:nvPr>
+        </p:nvSpPr>
+        <p:spPr>
+          <a:xfrm>
+            <a:off x="476374" y="2348880"/>
+            <a:ext cx="8229600" cy="3744416"/>
+          </a:xfrm>
+        </p:spPr>
+        <p:txBody>
+          <a:bodyPr/>
+          <a:lstStyle/>
+          <a:p>
+            <a:pPr marL="0" indent="0">
+              <a:buNone/>
+            </a:pPr>
+            <a:r>
+              <a:rPr lang="fr-FR" dirty="0" smtClean="0"/>
+              <a:t>                   </a:t>
+            </a:r>
+            <a:endParaRPr lang="fr-FR" u="sng" dirty="0">
+              <a:solidFill>
+                <a:srgbClr val="FFFF00"/>
+              </a:solidFill>
+            </a:endParaRPr>
+          </a:p>
+        </p:txBody>
+      </p:sp>
+      <p:sp>
+        <p:nvSpPr>
+          <p:cNvPr id="4" name="Titre 1"/>
+          <p:cNvSpPr txBox="1">
+            <a:spLocks/>
+          </p:cNvSpPr>
+          <p:nvPr/>
+        </p:nvSpPr>
+        <p:spPr>
+          <a:xfrm>
+            <a:off x="928712" y="0"/>
+            <a:ext cx="8229600" cy="1143000"/>
+          </a:xfrm>
+          <a:prstGeom prst="rect">
+            <a:avLst/>
+          </a:prstGeom>
+        </p:spPr>
+        <p:txBody>
+          <a:bodyPr vert="horz" lIns="91440" tIns="45720" rIns="91440" bIns="45720" rtlCol="0" anchor="ctr">
+            <a:normAutofit/>
+          </a:bodyPr>
+          <a:lstStyle>
+            <a:lvl1pPr algn="ctr" defTabSz="914400" rtl="0" eaLnBrk="1" latinLnBrk="0" hangingPunct="1">
+              <a:spcBef>
+                <a:spcPct val="0"/>
+              </a:spcBef>
+              <a:buNone/>
+              <a:defRPr sz="4400" kern="1200">
+                <a:solidFill>
+                  <a:schemeClr val="tx1"/>
+                </a:solidFill>
+                <a:latin typeface="+mj-lt"/>
+                <a:ea typeface="+mj-ea"/>
+                <a:cs typeface="+mj-cs"/>
+              </a:defRPr>
+            </a:lvl1pPr>
+          </a:lstStyle>
+          <a:p>
+            <a:r>
+              <a:rPr lang="fr-FR" dirty="0" smtClean="0"/>
+              <a:t>Tohoku </a:t>
+            </a:r>
+            <a:r>
+              <a:rPr lang="fr-FR" dirty="0" err="1" smtClean="0"/>
+              <a:t>University</a:t>
+            </a:r>
+            <a:r>
+              <a:rPr lang="fr-FR" dirty="0" smtClean="0"/>
+              <a:t>   Sendai, </a:t>
+            </a:r>
+            <a:r>
+              <a:rPr lang="fr-FR" dirty="0" err="1" smtClean="0"/>
+              <a:t>Japan</a:t>
+            </a:r>
+            <a:endParaRPr lang="fr-FR" dirty="0"/>
+          </a:p>
+        </p:txBody>
+      </p:sp>
+      <p:sp>
+        <p:nvSpPr>
+          <p:cNvPr id="6" name="Titre 1"/>
+          <p:cNvSpPr txBox="1">
+            <a:spLocks/>
+          </p:cNvSpPr>
+          <p:nvPr/>
+        </p:nvSpPr>
+        <p:spPr>
+          <a:xfrm>
+            <a:off x="497409" y="1139967"/>
+            <a:ext cx="8229600" cy="706090"/>
+          </a:xfrm>
+          <a:prstGeom prst="rect">
+            <a:avLst/>
+          </a:prstGeom>
+        </p:spPr>
+        <p:txBody>
+          <a:bodyPr vert="horz" lIns="91440" tIns="45720" rIns="91440" bIns="45720" rtlCol="0" anchor="ctr">
+            <a:normAutofit/>
+          </a:bodyPr>
+          <a:lstStyle>
+            <a:lvl1pPr algn="ctr" defTabSz="914400" rtl="0" eaLnBrk="1" latinLnBrk="0" hangingPunct="1">
+              <a:spcBef>
+                <a:spcPct val="0"/>
+              </a:spcBef>
+              <a:buNone/>
+              <a:defRPr sz="4400" kern="1200">
+                <a:solidFill>
+                  <a:schemeClr val="tx1"/>
+                </a:solidFill>
+                <a:latin typeface="+mj-lt"/>
+                <a:ea typeface="+mj-ea"/>
+                <a:cs typeface="+mj-cs"/>
+              </a:defRPr>
+            </a:lvl1pPr>
+          </a:lstStyle>
+          <a:p>
+            <a:r>
+              <a:rPr lang="fr-FR" sz="3200" b="1" dirty="0" smtClean="0"/>
+              <a:t>Theory</a:t>
+            </a:r>
+            <a:endParaRPr lang="fr-FR" sz="3200" b="1" dirty="0"/>
+          </a:p>
+        </p:txBody>
+      </p:sp>
+      <p:pic>
+        <p:nvPicPr>
+          <p:cNvPr id="7" name="Image 6"/>
+          <p:cNvPicPr>
+            <a:picLocks noChangeAspect="1"/>
+          </p:cNvPicPr>
+          <p:nvPr/>
+        </p:nvPicPr>
+        <p:blipFill>
+          <a:blip r:embed="rId2">
+            <a:extLst>
+              <a:ext uri="{28A0092B-C50C-407E-A947-70E740481C1C}">
+                <a14:useLocalDpi xmlns:a14="http://schemas.microsoft.com/office/drawing/2010/main" val="0"/>
+              </a:ext>
+            </a:extLst>
+          </a:blip>
+          <a:stretch>
+            <a:fillRect/>
+          </a:stretch>
+        </p:blipFill>
+        <p:spPr>
+          <a:xfrm>
+            <a:off x="0" y="0"/>
+            <a:ext cx="1192549" cy="1196752"/>
+          </a:xfrm>
+          <a:prstGeom prst="rect">
+            <a:avLst/>
+          </a:prstGeom>
+        </p:spPr>
+      </p:pic>
+      <p:pic>
+        <p:nvPicPr>
+          <p:cNvPr id="8" name="Picture 12" descr="TP_tmp"/>
+          <p:cNvPicPr>
+            <a:picLocks noChangeAspect="1" noChangeArrowheads="1"/>
+          </p:cNvPicPr>
+          <p:nvPr/>
+        </p:nvPicPr>
+        <p:blipFill>
+          <a:blip r:embed="rId3">
+            <a:clrChange>
+              <a:clrFrom>
+                <a:srgbClr val="FFFFFF"/>
+              </a:clrFrom>
+              <a:clrTo>
+                <a:srgbClr val="FFFFFF">
+                  <a:alpha val="0"/>
+                </a:srgbClr>
+              </a:clrTo>
+            </a:clrChange>
+            <a:extLst>
+              <a:ext uri="{28A0092B-C50C-407E-A947-70E740481C1C}">
+                <a14:useLocalDpi xmlns:a14="http://schemas.microsoft.com/office/drawing/2010/main" val="0"/>
+              </a:ext>
+            </a:extLst>
+          </a:blip>
+          <a:srcRect/>
+          <a:stretch>
+            <a:fillRect/>
+          </a:stretch>
+        </p:blipFill>
+        <p:spPr bwMode="auto">
+          <a:xfrm>
+            <a:off x="4727724" y="1783145"/>
+            <a:ext cx="3016250" cy="1358900"/>
+          </a:xfrm>
+          <a:prstGeom prst="rect">
+            <a:avLst/>
+          </a:prstGeom>
+          <a:noFill/>
+          <a:ln>
+            <a:noFill/>
+          </a:ln>
+          <a:extLst>
+            <a:ext uri="{909E8E84-426E-40DD-AFC4-6F175D3DCCD1}">
+              <a14:hiddenFill xmlns:a14="http://schemas.microsoft.com/office/drawing/2010/main">
+                <a:solidFill>
+                  <a:srgbClr val="FFFFFF"/>
+                </a:solidFill>
+              </a14:hiddenFill>
+            </a:ext>
+            <a:ext uri="{91240B29-F687-4F45-9708-019B960494DF}">
+              <a14:hiddenLine xmlns:a14="http://schemas.microsoft.com/office/drawing/2010/main" w="9525" algn="ctr">
+                <a:solidFill>
+                  <a:srgbClr val="000000"/>
+                </a:solidFill>
+                <a:miter lim="800000"/>
+                <a:headEnd/>
+                <a:tailEnd/>
+              </a14:hiddenLine>
+            </a:ext>
+          </a:extLst>
+        </p:spPr>
+      </p:pic>
+      <p:pic>
+        <p:nvPicPr>
+          <p:cNvPr id="9" name="Picture 9" descr="TP_tmp"/>
+          <p:cNvPicPr>
+            <a:picLocks noChangeAspect="1" noChangeArrowheads="1"/>
+          </p:cNvPicPr>
+          <p:nvPr/>
+        </p:nvPicPr>
+        <p:blipFill>
+          <a:blip r:embed="rId4">
+            <a:clrChange>
+              <a:clrFrom>
+                <a:srgbClr val="FFFFFF"/>
+              </a:clrFrom>
+              <a:clrTo>
+                <a:srgbClr val="FFFFFF">
+                  <a:alpha val="0"/>
+                </a:srgbClr>
+              </a:clrTo>
+            </a:clrChange>
+            <a:extLst>
+              <a:ext uri="{28A0092B-C50C-407E-A947-70E740481C1C}">
+                <a14:useLocalDpi xmlns:a14="http://schemas.microsoft.com/office/drawing/2010/main" val="0"/>
+              </a:ext>
+            </a:extLst>
+          </a:blip>
+          <a:srcRect/>
+          <a:stretch>
+            <a:fillRect/>
+          </a:stretch>
+        </p:blipFill>
+        <p:spPr bwMode="auto">
+          <a:xfrm>
+            <a:off x="4376093" y="3200496"/>
+            <a:ext cx="3719513" cy="1357313"/>
+          </a:xfrm>
+          <a:prstGeom prst="rect">
+            <a:avLst/>
+          </a:prstGeom>
+          <a:noFill/>
+          <a:ln>
+            <a:noFill/>
+          </a:ln>
+          <a:extLst>
+            <a:ext uri="{909E8E84-426E-40DD-AFC4-6F175D3DCCD1}">
+              <a14:hiddenFill xmlns:a14="http://schemas.microsoft.com/office/drawing/2010/main">
+                <a:solidFill>
+                  <a:srgbClr val="FFFFFF"/>
+                </a:solidFill>
+              </a14:hiddenFill>
+            </a:ext>
+            <a:ext uri="{91240B29-F687-4F45-9708-019B960494DF}">
+              <a14:hiddenLine xmlns:a14="http://schemas.microsoft.com/office/drawing/2010/main" w="9525" algn="ctr">
+                <a:solidFill>
+                  <a:srgbClr val="000000"/>
+                </a:solidFill>
+                <a:miter lim="800000"/>
+                <a:headEnd/>
+                <a:tailEnd/>
+              </a14:hiddenLine>
+            </a:ext>
+          </a:extLst>
+        </p:spPr>
+      </p:pic>
+      <p:grpSp>
+        <p:nvGrpSpPr>
+          <p:cNvPr id="10" name="Gruppieren 2"/>
+          <p:cNvGrpSpPr>
+            <a:grpSpLocks/>
+          </p:cNvGrpSpPr>
+          <p:nvPr/>
+        </p:nvGrpSpPr>
+        <p:grpSpPr bwMode="auto">
+          <a:xfrm>
+            <a:off x="4407471" y="4612173"/>
+            <a:ext cx="3719512" cy="1357312"/>
+            <a:chOff x="4364182" y="4648200"/>
+            <a:chExt cx="3719513" cy="1357312"/>
+          </a:xfrm>
+        </p:grpSpPr>
+        <p:pic>
+          <p:nvPicPr>
+            <p:cNvPr id="11" name="Picture 9" descr="TP_tmp"/>
+            <p:cNvPicPr>
+              <a:picLocks noChangeAspect="1" noChangeArrowheads="1"/>
+            </p:cNvPicPr>
+            <p:nvPr/>
+          </p:nvPicPr>
+          <p:blipFill>
+            <a:blip r:embed="rId4">
+              <a:clrChange>
+                <a:clrFrom>
+                  <a:srgbClr val="FFFFFF"/>
+                </a:clrFrom>
+                <a:clrTo>
+                  <a:srgbClr val="FFFFFF">
+                    <a:alpha val="0"/>
+                  </a:srgbClr>
+                </a:clrTo>
+              </a:clrChange>
+              <a:extLst>
+                <a:ext uri="{28A0092B-C50C-407E-A947-70E740481C1C}">
+                  <a14:useLocalDpi xmlns:a14="http://schemas.microsoft.com/office/drawing/2010/main" val="0"/>
+                </a:ext>
+              </a:extLst>
+            </a:blip>
+            <a:srcRect/>
+            <a:stretch>
+              <a:fillRect/>
+            </a:stretch>
+          </p:blipFill>
+          <p:spPr bwMode="auto">
+            <a:xfrm>
+              <a:off x="4364182" y="4648200"/>
+              <a:ext cx="3719513" cy="1357312"/>
+            </a:xfrm>
+            <a:prstGeom prst="rect">
+              <a:avLst/>
+            </a:prstGeom>
+            <a:noFill/>
+            <a:ln>
+              <a:noFill/>
+            </a:ln>
+            <a:extLst>
+              <a:ext uri="{909E8E84-426E-40DD-AFC4-6F175D3DCCD1}">
+                <a14:hiddenFill xmlns:a14="http://schemas.microsoft.com/office/drawing/2010/main">
+                  <a:solidFill>
+                    <a:srgbClr val="FFFFFF"/>
+                  </a:solidFill>
+                </a14:hiddenFill>
+              </a:ext>
+              <a:ext uri="{91240B29-F687-4F45-9708-019B960494DF}">
+                <a14:hiddenLine xmlns:a14="http://schemas.microsoft.com/office/drawing/2010/main" w="9525" algn="ctr">
+                  <a:solidFill>
+                    <a:srgbClr val="000000"/>
+                  </a:solidFill>
+                  <a:miter lim="800000"/>
+                  <a:headEnd/>
+                  <a:tailEnd/>
+                </a14:hiddenLine>
+              </a:ext>
+            </a:extLst>
+          </p:spPr>
+        </p:pic>
+        <p:sp>
+          <p:nvSpPr>
+            <p:cNvPr id="12" name="Rechteck 1"/>
+            <p:cNvSpPr>
+              <a:spLocks noChangeArrowheads="1"/>
+            </p:cNvSpPr>
+            <p:nvPr/>
+          </p:nvSpPr>
+          <p:spPr bwMode="auto">
+            <a:xfrm>
+              <a:off x="5723925" y="4920204"/>
+              <a:ext cx="1421557" cy="685800"/>
+            </a:xfrm>
+            <a:prstGeom prst="rect">
+              <a:avLst/>
+            </a:prstGeom>
+            <a:solidFill>
+              <a:schemeClr val="bg1"/>
+            </a:solidFill>
+            <a:ln>
+              <a:noFill/>
+            </a:ln>
+            <a:extLst>
+              <a:ext uri="{91240B29-F687-4F45-9708-019B960494DF}">
+                <a14:hiddenLine xmlns:a14="http://schemas.microsoft.com/office/drawing/2010/main" w="9525" algn="ctr">
+                  <a:solidFill>
+                    <a:srgbClr val="000000"/>
+                  </a:solidFill>
+                  <a:round/>
+                  <a:headEnd/>
+                  <a:tailEnd/>
+                </a14:hiddenLine>
+              </a:ext>
+            </a:extLst>
+          </p:spPr>
+          <p:txBody>
+            <a:bodyPr wrap="square">
+              <a:spAutoFit/>
+            </a:bodyPr>
+            <a:lstStyle>
+              <a:lvl1pPr eaLnBrk="0" hangingPunct="0">
+                <a:defRPr kumimoji="1" sz="1600">
+                  <a:solidFill>
+                    <a:schemeClr val="tx1"/>
+                  </a:solidFill>
+                  <a:latin typeface="Arial" charset="0"/>
+                  <a:ea typeface="ＭＳ Ｐゴシック" pitchFamily="34" charset="-128"/>
+                </a:defRPr>
+              </a:lvl1pPr>
+              <a:lvl2pPr marL="742950" indent="-285750" eaLnBrk="0" hangingPunct="0">
+                <a:defRPr kumimoji="1" sz="1600">
+                  <a:solidFill>
+                    <a:schemeClr val="tx1"/>
+                  </a:solidFill>
+                  <a:latin typeface="Arial" charset="0"/>
+                  <a:ea typeface="ＭＳ Ｐゴシック" pitchFamily="34" charset="-128"/>
+                </a:defRPr>
+              </a:lvl2pPr>
+              <a:lvl3pPr marL="1143000" indent="-228600" eaLnBrk="0" hangingPunct="0">
+                <a:defRPr kumimoji="1" sz="1600">
+                  <a:solidFill>
+                    <a:schemeClr val="tx1"/>
+                  </a:solidFill>
+                  <a:latin typeface="Arial" charset="0"/>
+                  <a:ea typeface="ＭＳ Ｐゴシック" pitchFamily="34" charset="-128"/>
+                </a:defRPr>
+              </a:lvl3pPr>
+              <a:lvl4pPr marL="1600200" indent="-228600" eaLnBrk="0" hangingPunct="0">
+                <a:defRPr kumimoji="1" sz="1600">
+                  <a:solidFill>
+                    <a:schemeClr val="tx1"/>
+                  </a:solidFill>
+                  <a:latin typeface="Arial" charset="0"/>
+                  <a:ea typeface="ＭＳ Ｐゴシック" pitchFamily="34" charset="-128"/>
+                </a:defRPr>
+              </a:lvl4pPr>
+              <a:lvl5pPr marL="2057400" indent="-228600" eaLnBrk="0" hangingPunct="0">
+                <a:defRPr kumimoji="1" sz="1600">
+                  <a:solidFill>
+                    <a:schemeClr val="tx1"/>
+                  </a:solidFill>
+                  <a:latin typeface="Arial" charset="0"/>
+                  <a:ea typeface="ＭＳ Ｐゴシック" pitchFamily="34" charset="-128"/>
+                </a:defRPr>
+              </a:lvl5pPr>
+              <a:lvl6pPr marL="2514600" indent="-228600" eaLnBrk="0" fontAlgn="base" hangingPunct="0">
+                <a:spcBef>
+                  <a:spcPct val="0"/>
+                </a:spcBef>
+                <a:spcAft>
+                  <a:spcPct val="0"/>
+                </a:spcAft>
+                <a:defRPr kumimoji="1" sz="1600">
+                  <a:solidFill>
+                    <a:schemeClr val="tx1"/>
+                  </a:solidFill>
+                  <a:latin typeface="Arial" charset="0"/>
+                  <a:ea typeface="ＭＳ Ｐゴシック" pitchFamily="34" charset="-128"/>
+                </a:defRPr>
+              </a:lvl6pPr>
+              <a:lvl7pPr marL="2971800" indent="-228600" eaLnBrk="0" fontAlgn="base" hangingPunct="0">
+                <a:spcBef>
+                  <a:spcPct val="0"/>
+                </a:spcBef>
+                <a:spcAft>
+                  <a:spcPct val="0"/>
+                </a:spcAft>
+                <a:defRPr kumimoji="1" sz="1600">
+                  <a:solidFill>
+                    <a:schemeClr val="tx1"/>
+                  </a:solidFill>
+                  <a:latin typeface="Arial" charset="0"/>
+                  <a:ea typeface="ＭＳ Ｐゴシック" pitchFamily="34" charset="-128"/>
+                </a:defRPr>
+              </a:lvl7pPr>
+              <a:lvl8pPr marL="3429000" indent="-228600" eaLnBrk="0" fontAlgn="base" hangingPunct="0">
+                <a:spcBef>
+                  <a:spcPct val="0"/>
+                </a:spcBef>
+                <a:spcAft>
+                  <a:spcPct val="0"/>
+                </a:spcAft>
+                <a:defRPr kumimoji="1" sz="1600">
+                  <a:solidFill>
+                    <a:schemeClr val="tx1"/>
+                  </a:solidFill>
+                  <a:latin typeface="Arial" charset="0"/>
+                  <a:ea typeface="ＭＳ Ｐゴシック" pitchFamily="34" charset="-128"/>
+                </a:defRPr>
+              </a:lvl8pPr>
+              <a:lvl9pPr marL="3886200" indent="-228600" eaLnBrk="0" fontAlgn="base" hangingPunct="0">
+                <a:spcBef>
+                  <a:spcPct val="0"/>
+                </a:spcBef>
+                <a:spcAft>
+                  <a:spcPct val="0"/>
+                </a:spcAft>
+                <a:defRPr kumimoji="1" sz="1600">
+                  <a:solidFill>
+                    <a:schemeClr val="tx1"/>
+                  </a:solidFill>
+                  <a:latin typeface="Arial" charset="0"/>
+                  <a:ea typeface="ＭＳ Ｐゴシック" pitchFamily="34" charset="-128"/>
+                </a:defRPr>
+              </a:lvl9pPr>
+            </a:lstStyle>
+            <a:p>
+              <a:pPr algn="ctr" eaLnBrk="1" hangingPunct="1">
+                <a:spcBef>
+                  <a:spcPct val="50000"/>
+                </a:spcBef>
+              </a:pPr>
+              <a:endParaRPr lang="de-DE" altLang="fr-FR"/>
+            </a:p>
+          </p:txBody>
+        </p:sp>
+        <p:pic>
+          <p:nvPicPr>
+            <p:cNvPr id="13" name="Picture 12" descr="TP_tmp"/>
+            <p:cNvPicPr>
+              <a:picLocks noChangeAspect="1" noChangeArrowheads="1"/>
+            </p:cNvPicPr>
+            <p:nvPr/>
+          </p:nvPicPr>
+          <p:blipFill>
+            <a:blip r:embed="rId3">
+              <a:clrChange>
+                <a:clrFrom>
+                  <a:srgbClr val="FFFFFF"/>
+                </a:clrFrom>
+                <a:clrTo>
+                  <a:srgbClr val="FFFFFF">
+                    <a:alpha val="0"/>
+                  </a:srgbClr>
+                </a:clrTo>
+              </a:clrChange>
+              <a:extLst>
+                <a:ext uri="{28A0092B-C50C-407E-A947-70E740481C1C}">
+                  <a14:useLocalDpi xmlns:a14="http://schemas.microsoft.com/office/drawing/2010/main" val="0"/>
+                </a:ext>
+              </a:extLst>
+            </a:blip>
+            <a:srcRect l="45988" t="21510" r="40921"/>
+            <a:stretch>
+              <a:fillRect/>
+            </a:stretch>
+          </p:blipFill>
+          <p:spPr bwMode="auto">
+            <a:xfrm>
+              <a:off x="6300355" y="4907973"/>
+              <a:ext cx="394855" cy="1066583"/>
+            </a:xfrm>
+            <a:prstGeom prst="rect">
+              <a:avLst/>
+            </a:prstGeom>
+            <a:noFill/>
+            <a:ln>
+              <a:noFill/>
+            </a:ln>
+            <a:extLst>
+              <a:ext uri="{909E8E84-426E-40DD-AFC4-6F175D3DCCD1}">
+                <a14:hiddenFill xmlns:a14="http://schemas.microsoft.com/office/drawing/2010/main">
+                  <a:solidFill>
+                    <a:srgbClr val="FFFFFF"/>
+                  </a:solidFill>
+                </a14:hiddenFill>
+              </a:ext>
+              <a:ext uri="{91240B29-F687-4F45-9708-019B960494DF}">
+                <a14:hiddenLine xmlns:a14="http://schemas.microsoft.com/office/drawing/2010/main" w="9525" algn="ctr">
+                  <a:solidFill>
+                    <a:srgbClr val="000000"/>
+                  </a:solidFill>
+                  <a:miter lim="800000"/>
+                  <a:headEnd/>
+                  <a:tailEnd/>
+                </a14:hiddenLine>
+              </a:ext>
+            </a:extLst>
+          </p:spPr>
+        </p:pic>
+      </p:grpSp>
+      <p:sp>
+        <p:nvSpPr>
+          <p:cNvPr id="14" name="Geschweifte Klammer links 42"/>
+          <p:cNvSpPr>
+            <a:spLocks/>
+          </p:cNvSpPr>
+          <p:nvPr/>
+        </p:nvSpPr>
+        <p:spPr bwMode="auto">
+          <a:xfrm rot="16200000">
+            <a:off x="6229921" y="3642164"/>
+            <a:ext cx="431800" cy="1485900"/>
+          </a:xfrm>
+          <a:prstGeom prst="leftBrace">
+            <a:avLst>
+              <a:gd name="adj1" fmla="val 8316"/>
+              <a:gd name="adj2" fmla="val 60935"/>
+            </a:avLst>
+          </a:prstGeom>
+          <a:noFill/>
+          <a:ln w="38100" algn="ctr">
+            <a:solidFill>
+              <a:schemeClr val="tx1"/>
+            </a:solidFill>
+            <a:round/>
+            <a:headEnd/>
+            <a:tailEnd/>
+          </a:ln>
+          <a:extLst>
+            <a:ext uri="{909E8E84-426E-40DD-AFC4-6F175D3DCCD1}">
+              <a14:hiddenFill xmlns:a14="http://schemas.microsoft.com/office/drawing/2010/main">
+                <a:solidFill>
+                  <a:srgbClr val="FFFFFF"/>
+                </a:solidFill>
+              </a14:hiddenFill>
+            </a:ext>
+          </a:extLst>
+        </p:spPr>
+        <p:txBody>
+          <a:bodyPr>
+            <a:spAutoFit/>
+          </a:bodyPr>
+          <a:lstStyle>
+            <a:lvl1pPr eaLnBrk="0" hangingPunct="0">
+              <a:defRPr kumimoji="1" sz="1600">
+                <a:solidFill>
+                  <a:schemeClr val="tx1"/>
+                </a:solidFill>
+                <a:latin typeface="Arial" charset="0"/>
+                <a:ea typeface="ＭＳ Ｐゴシック" pitchFamily="34" charset="-128"/>
+              </a:defRPr>
+            </a:lvl1pPr>
+            <a:lvl2pPr marL="742950" indent="-285750" eaLnBrk="0" hangingPunct="0">
+              <a:defRPr kumimoji="1" sz="1600">
+                <a:solidFill>
+                  <a:schemeClr val="tx1"/>
+                </a:solidFill>
+                <a:latin typeface="Arial" charset="0"/>
+                <a:ea typeface="ＭＳ Ｐゴシック" pitchFamily="34" charset="-128"/>
+              </a:defRPr>
+            </a:lvl2pPr>
+            <a:lvl3pPr marL="1143000" indent="-228600" eaLnBrk="0" hangingPunct="0">
+              <a:defRPr kumimoji="1" sz="1600">
+                <a:solidFill>
+                  <a:schemeClr val="tx1"/>
+                </a:solidFill>
+                <a:latin typeface="Arial" charset="0"/>
+                <a:ea typeface="ＭＳ Ｐゴシック" pitchFamily="34" charset="-128"/>
+              </a:defRPr>
+            </a:lvl3pPr>
+            <a:lvl4pPr marL="1600200" indent="-228600" eaLnBrk="0" hangingPunct="0">
+              <a:defRPr kumimoji="1" sz="1600">
+                <a:solidFill>
+                  <a:schemeClr val="tx1"/>
+                </a:solidFill>
+                <a:latin typeface="Arial" charset="0"/>
+                <a:ea typeface="ＭＳ Ｐゴシック" pitchFamily="34" charset="-128"/>
+              </a:defRPr>
+            </a:lvl4pPr>
+            <a:lvl5pPr marL="2057400" indent="-228600" eaLnBrk="0" hangingPunct="0">
+              <a:defRPr kumimoji="1" sz="1600">
+                <a:solidFill>
+                  <a:schemeClr val="tx1"/>
+                </a:solidFill>
+                <a:latin typeface="Arial" charset="0"/>
+                <a:ea typeface="ＭＳ Ｐゴシック" pitchFamily="34" charset="-128"/>
+              </a:defRPr>
+            </a:lvl5pPr>
+            <a:lvl6pPr marL="2514600" indent="-228600" eaLnBrk="0" fontAlgn="base" hangingPunct="0">
+              <a:spcBef>
+                <a:spcPct val="0"/>
+              </a:spcBef>
+              <a:spcAft>
+                <a:spcPct val="0"/>
+              </a:spcAft>
+              <a:defRPr kumimoji="1" sz="1600">
+                <a:solidFill>
+                  <a:schemeClr val="tx1"/>
+                </a:solidFill>
+                <a:latin typeface="Arial" charset="0"/>
+                <a:ea typeface="ＭＳ Ｐゴシック" pitchFamily="34" charset="-128"/>
+              </a:defRPr>
+            </a:lvl6pPr>
+            <a:lvl7pPr marL="2971800" indent="-228600" eaLnBrk="0" fontAlgn="base" hangingPunct="0">
+              <a:spcBef>
+                <a:spcPct val="0"/>
+              </a:spcBef>
+              <a:spcAft>
+                <a:spcPct val="0"/>
+              </a:spcAft>
+              <a:defRPr kumimoji="1" sz="1600">
+                <a:solidFill>
+                  <a:schemeClr val="tx1"/>
+                </a:solidFill>
+                <a:latin typeface="Arial" charset="0"/>
+                <a:ea typeface="ＭＳ Ｐゴシック" pitchFamily="34" charset="-128"/>
+              </a:defRPr>
+            </a:lvl7pPr>
+            <a:lvl8pPr marL="3429000" indent="-228600" eaLnBrk="0" fontAlgn="base" hangingPunct="0">
+              <a:spcBef>
+                <a:spcPct val="0"/>
+              </a:spcBef>
+              <a:spcAft>
+                <a:spcPct val="0"/>
+              </a:spcAft>
+              <a:defRPr kumimoji="1" sz="1600">
+                <a:solidFill>
+                  <a:schemeClr val="tx1"/>
+                </a:solidFill>
+                <a:latin typeface="Arial" charset="0"/>
+                <a:ea typeface="ＭＳ Ｐゴシック" pitchFamily="34" charset="-128"/>
+              </a:defRPr>
+            </a:lvl8pPr>
+            <a:lvl9pPr marL="3886200" indent="-228600" eaLnBrk="0" fontAlgn="base" hangingPunct="0">
+              <a:spcBef>
+                <a:spcPct val="0"/>
+              </a:spcBef>
+              <a:spcAft>
+                <a:spcPct val="0"/>
+              </a:spcAft>
+              <a:defRPr kumimoji="1" sz="1600">
+                <a:solidFill>
+                  <a:schemeClr val="tx1"/>
+                </a:solidFill>
+                <a:latin typeface="Arial" charset="0"/>
+                <a:ea typeface="ＭＳ Ｐゴシック" pitchFamily="34" charset="-128"/>
+              </a:defRPr>
+            </a:lvl9pPr>
+          </a:lstStyle>
+          <a:p>
+            <a:pPr algn="ctr" eaLnBrk="1" hangingPunct="1">
+              <a:spcBef>
+                <a:spcPct val="50000"/>
+              </a:spcBef>
+            </a:pPr>
+            <a:endParaRPr lang="de-DE" altLang="fr-FR"/>
+          </a:p>
+        </p:txBody>
+      </p:sp>
+      <p:grpSp>
+        <p:nvGrpSpPr>
+          <p:cNvPr id="15" name="Group 5"/>
+          <p:cNvGrpSpPr>
+            <a:grpSpLocks/>
+          </p:cNvGrpSpPr>
+          <p:nvPr/>
+        </p:nvGrpSpPr>
+        <p:grpSpPr bwMode="auto">
+          <a:xfrm rot="443262">
+            <a:off x="2744398" y="4578459"/>
+            <a:ext cx="464857" cy="427792"/>
+            <a:chOff x="2893" y="2655"/>
+            <a:chExt cx="267" cy="340"/>
+          </a:xfrm>
+        </p:grpSpPr>
+        <p:sp>
+          <p:nvSpPr>
+            <p:cNvPr id="16" name="AutoShape 6"/>
+            <p:cNvSpPr>
+              <a:spLocks noChangeArrowheads="1"/>
+            </p:cNvSpPr>
+            <p:nvPr/>
+          </p:nvSpPr>
+          <p:spPr bwMode="auto">
+            <a:xfrm>
+              <a:off x="2893" y="2744"/>
+              <a:ext cx="267" cy="251"/>
+            </a:xfrm>
+            <a:prstGeom prst="cube">
+              <a:avLst>
+                <a:gd name="adj" fmla="val 25000"/>
+              </a:avLst>
+            </a:prstGeom>
+            <a:solidFill>
+              <a:srgbClr val="333333"/>
+            </a:solidFill>
+            <a:ln>
+              <a:noFill/>
+            </a:ln>
+            <a:extLst>
+              <a:ext uri="{91240B29-F687-4F45-9708-019B960494DF}">
+                <a14:hiddenLine xmlns:a14="http://schemas.microsoft.com/office/drawing/2010/main" w="9525">
+                  <a:solidFill>
+                    <a:srgbClr val="000000"/>
+                  </a:solidFill>
+                  <a:miter lim="800000"/>
+                  <a:headEnd/>
+                  <a:tailEnd/>
+                </a14:hiddenLine>
+              </a:ext>
+            </a:extLst>
+          </p:spPr>
+          <p:txBody>
+            <a:bodyPr anchor="ctr">
+              <a:spAutoFit/>
+            </a:bodyPr>
+            <a:lstStyle>
+              <a:lvl1pPr>
+                <a:spcBef>
+                  <a:spcPct val="20000"/>
+                </a:spcBef>
+                <a:buChar char="•"/>
+                <a:defRPr kumimoji="1" sz="2400">
+                  <a:solidFill>
+                    <a:schemeClr val="tx1"/>
+                  </a:solidFill>
+                  <a:latin typeface="Arial" charset="0"/>
+                  <a:ea typeface="ＭＳ Ｐゴシック" pitchFamily="34" charset="-128"/>
+                </a:defRPr>
+              </a:lvl1pPr>
+              <a:lvl2pPr marL="742950" indent="-285750">
+                <a:spcBef>
+                  <a:spcPct val="20000"/>
+                </a:spcBef>
+                <a:buFont typeface="Arial" charset="0"/>
+                <a:buChar char="‒"/>
+                <a:defRPr kumimoji="1" sz="2400">
+                  <a:solidFill>
+                    <a:schemeClr val="tx1"/>
+                  </a:solidFill>
+                  <a:latin typeface="Arial" charset="0"/>
+                  <a:ea typeface="ＭＳ Ｐゴシック" pitchFamily="34" charset="-128"/>
+                </a:defRPr>
+              </a:lvl2pPr>
+              <a:lvl3pPr marL="1143000" indent="-228600">
+                <a:spcBef>
+                  <a:spcPct val="20000"/>
+                </a:spcBef>
+                <a:buFont typeface="Arial" charset="0"/>
+                <a:buChar char="□"/>
+                <a:defRPr kumimoji="1" sz="2000">
+                  <a:solidFill>
+                    <a:schemeClr val="tx1"/>
+                  </a:solidFill>
+                  <a:latin typeface="Arial" charset="0"/>
+                  <a:ea typeface="ＭＳ Ｐゴシック" pitchFamily="34" charset="-128"/>
+                </a:defRPr>
+              </a:lvl3pPr>
+              <a:lvl4pPr marL="1600200" indent="-228600">
+                <a:spcBef>
+                  <a:spcPct val="20000"/>
+                </a:spcBef>
+                <a:buFont typeface="Times New Roman" pitchFamily="18" charset="0"/>
+                <a:buChar char="»"/>
+                <a:defRPr kumimoji="1" sz="2000">
+                  <a:solidFill>
+                    <a:schemeClr val="tx1"/>
+                  </a:solidFill>
+                  <a:latin typeface="Arial" charset="0"/>
+                  <a:ea typeface="ＭＳ Ｐゴシック" pitchFamily="34" charset="-128"/>
+                </a:defRPr>
+              </a:lvl4pPr>
+              <a:lvl5pPr marL="2057400" indent="-228600">
+                <a:spcBef>
+                  <a:spcPct val="20000"/>
+                </a:spcBef>
+                <a:buChar char="»"/>
+                <a:defRPr kumimoji="1" sz="2000" b="1">
+                  <a:solidFill>
+                    <a:schemeClr val="tx1"/>
+                  </a:solidFill>
+                  <a:latin typeface="Times New Roman" pitchFamily="18" charset="0"/>
+                  <a:ea typeface="ＭＳ Ｐゴシック" pitchFamily="34" charset="-128"/>
+                </a:defRPr>
+              </a:lvl5pPr>
+              <a:lvl6pPr marL="2514600" indent="-228600" eaLnBrk="0" fontAlgn="base" hangingPunct="0">
+                <a:spcBef>
+                  <a:spcPct val="20000"/>
+                </a:spcBef>
+                <a:spcAft>
+                  <a:spcPct val="0"/>
+                </a:spcAft>
+                <a:buChar char="»"/>
+                <a:defRPr kumimoji="1" sz="2000" b="1">
+                  <a:solidFill>
+                    <a:schemeClr val="tx1"/>
+                  </a:solidFill>
+                  <a:latin typeface="Times New Roman" pitchFamily="18" charset="0"/>
+                  <a:ea typeface="ＭＳ Ｐゴシック" pitchFamily="34" charset="-128"/>
+                </a:defRPr>
+              </a:lvl6pPr>
+              <a:lvl7pPr marL="2971800" indent="-228600" eaLnBrk="0" fontAlgn="base" hangingPunct="0">
+                <a:spcBef>
+                  <a:spcPct val="20000"/>
+                </a:spcBef>
+                <a:spcAft>
+                  <a:spcPct val="0"/>
+                </a:spcAft>
+                <a:buChar char="»"/>
+                <a:defRPr kumimoji="1" sz="2000" b="1">
+                  <a:solidFill>
+                    <a:schemeClr val="tx1"/>
+                  </a:solidFill>
+                  <a:latin typeface="Times New Roman" pitchFamily="18" charset="0"/>
+                  <a:ea typeface="ＭＳ Ｐゴシック" pitchFamily="34" charset="-128"/>
+                </a:defRPr>
+              </a:lvl7pPr>
+              <a:lvl8pPr marL="3429000" indent="-228600" eaLnBrk="0" fontAlgn="base" hangingPunct="0">
+                <a:spcBef>
+                  <a:spcPct val="20000"/>
+                </a:spcBef>
+                <a:spcAft>
+                  <a:spcPct val="0"/>
+                </a:spcAft>
+                <a:buChar char="»"/>
+                <a:defRPr kumimoji="1" sz="2000" b="1">
+                  <a:solidFill>
+                    <a:schemeClr val="tx1"/>
+                  </a:solidFill>
+                  <a:latin typeface="Times New Roman" pitchFamily="18" charset="0"/>
+                  <a:ea typeface="ＭＳ Ｐゴシック" pitchFamily="34" charset="-128"/>
+                </a:defRPr>
+              </a:lvl8pPr>
+              <a:lvl9pPr marL="3886200" indent="-228600" eaLnBrk="0" fontAlgn="base" hangingPunct="0">
+                <a:spcBef>
+                  <a:spcPct val="20000"/>
+                </a:spcBef>
+                <a:spcAft>
+                  <a:spcPct val="0"/>
+                </a:spcAft>
+                <a:buChar char="»"/>
+                <a:defRPr kumimoji="1" sz="2000" b="1">
+                  <a:solidFill>
+                    <a:schemeClr val="tx1"/>
+                  </a:solidFill>
+                  <a:latin typeface="Times New Roman" pitchFamily="18" charset="0"/>
+                  <a:ea typeface="ＭＳ Ｐゴシック" pitchFamily="34" charset="-128"/>
+                </a:defRPr>
+              </a:lvl9pPr>
+            </a:lstStyle>
+            <a:p>
+              <a:pPr eaLnBrk="1" hangingPunct="1">
+                <a:spcBef>
+                  <a:spcPct val="0"/>
+                </a:spcBef>
+                <a:buFontTx/>
+                <a:buNone/>
+              </a:pPr>
+              <a:endParaRPr lang="en-US" altLang="ja-JP" sz="2000"/>
+            </a:p>
+          </p:txBody>
+        </p:sp>
+        <p:sp>
+          <p:nvSpPr>
+            <p:cNvPr id="17" name="AutoShape 7"/>
+            <p:cNvSpPr>
+              <a:spLocks noChangeArrowheads="1"/>
+            </p:cNvSpPr>
+            <p:nvPr/>
+          </p:nvSpPr>
+          <p:spPr bwMode="auto">
+            <a:xfrm>
+              <a:off x="2960" y="2655"/>
+              <a:ext cx="121" cy="140"/>
+            </a:xfrm>
+            <a:prstGeom prst="can">
+              <a:avLst>
+                <a:gd name="adj" fmla="val 28926"/>
+              </a:avLst>
+            </a:prstGeom>
+            <a:solidFill>
+              <a:srgbClr val="333333"/>
+            </a:solidFill>
+            <a:ln>
+              <a:noFill/>
+            </a:ln>
+            <a:extLst>
+              <a:ext uri="{91240B29-F687-4F45-9708-019B960494DF}">
+                <a14:hiddenLine xmlns:a14="http://schemas.microsoft.com/office/drawing/2010/main" w="9525">
+                  <a:solidFill>
+                    <a:srgbClr val="000000"/>
+                  </a:solidFill>
+                  <a:round/>
+                  <a:headEnd/>
+                  <a:tailEnd/>
+                </a14:hiddenLine>
+              </a:ext>
+            </a:extLst>
+          </p:spPr>
+          <p:txBody>
+            <a:bodyPr anchor="ctr">
+              <a:spAutoFit/>
+            </a:bodyPr>
+            <a:lstStyle>
+              <a:lvl1pPr>
+                <a:spcBef>
+                  <a:spcPct val="20000"/>
+                </a:spcBef>
+                <a:buChar char="•"/>
+                <a:defRPr kumimoji="1" sz="2400">
+                  <a:solidFill>
+                    <a:schemeClr val="tx1"/>
+                  </a:solidFill>
+                  <a:latin typeface="Arial" charset="0"/>
+                  <a:ea typeface="ＭＳ Ｐゴシック" pitchFamily="34" charset="-128"/>
+                </a:defRPr>
+              </a:lvl1pPr>
+              <a:lvl2pPr marL="742950" indent="-285750">
+                <a:spcBef>
+                  <a:spcPct val="20000"/>
+                </a:spcBef>
+                <a:buFont typeface="Arial" charset="0"/>
+                <a:buChar char="‒"/>
+                <a:defRPr kumimoji="1" sz="2400">
+                  <a:solidFill>
+                    <a:schemeClr val="tx1"/>
+                  </a:solidFill>
+                  <a:latin typeface="Arial" charset="0"/>
+                  <a:ea typeface="ＭＳ Ｐゴシック" pitchFamily="34" charset="-128"/>
+                </a:defRPr>
+              </a:lvl2pPr>
+              <a:lvl3pPr marL="1143000" indent="-228600">
+                <a:spcBef>
+                  <a:spcPct val="20000"/>
+                </a:spcBef>
+                <a:buFont typeface="Arial" charset="0"/>
+                <a:buChar char="□"/>
+                <a:defRPr kumimoji="1" sz="2000">
+                  <a:solidFill>
+                    <a:schemeClr val="tx1"/>
+                  </a:solidFill>
+                  <a:latin typeface="Arial" charset="0"/>
+                  <a:ea typeface="ＭＳ Ｐゴシック" pitchFamily="34" charset="-128"/>
+                </a:defRPr>
+              </a:lvl3pPr>
+              <a:lvl4pPr marL="1600200" indent="-228600">
+                <a:spcBef>
+                  <a:spcPct val="20000"/>
+                </a:spcBef>
+                <a:buFont typeface="Times New Roman" pitchFamily="18" charset="0"/>
+                <a:buChar char="»"/>
+                <a:defRPr kumimoji="1" sz="2000">
+                  <a:solidFill>
+                    <a:schemeClr val="tx1"/>
+                  </a:solidFill>
+                  <a:latin typeface="Arial" charset="0"/>
+                  <a:ea typeface="ＭＳ Ｐゴシック" pitchFamily="34" charset="-128"/>
+                </a:defRPr>
+              </a:lvl4pPr>
+              <a:lvl5pPr marL="2057400" indent="-228600">
+                <a:spcBef>
+                  <a:spcPct val="20000"/>
+                </a:spcBef>
+                <a:buChar char="»"/>
+                <a:defRPr kumimoji="1" sz="2000" b="1">
+                  <a:solidFill>
+                    <a:schemeClr val="tx1"/>
+                  </a:solidFill>
+                  <a:latin typeface="Times New Roman" pitchFamily="18" charset="0"/>
+                  <a:ea typeface="ＭＳ Ｐゴシック" pitchFamily="34" charset="-128"/>
+                </a:defRPr>
+              </a:lvl5pPr>
+              <a:lvl6pPr marL="2514600" indent="-228600" eaLnBrk="0" fontAlgn="base" hangingPunct="0">
+                <a:spcBef>
+                  <a:spcPct val="20000"/>
+                </a:spcBef>
+                <a:spcAft>
+                  <a:spcPct val="0"/>
+                </a:spcAft>
+                <a:buChar char="»"/>
+                <a:defRPr kumimoji="1" sz="2000" b="1">
+                  <a:solidFill>
+                    <a:schemeClr val="tx1"/>
+                  </a:solidFill>
+                  <a:latin typeface="Times New Roman" pitchFamily="18" charset="0"/>
+                  <a:ea typeface="ＭＳ Ｐゴシック" pitchFamily="34" charset="-128"/>
+                </a:defRPr>
+              </a:lvl6pPr>
+              <a:lvl7pPr marL="2971800" indent="-228600" eaLnBrk="0" fontAlgn="base" hangingPunct="0">
+                <a:spcBef>
+                  <a:spcPct val="20000"/>
+                </a:spcBef>
+                <a:spcAft>
+                  <a:spcPct val="0"/>
+                </a:spcAft>
+                <a:buChar char="»"/>
+                <a:defRPr kumimoji="1" sz="2000" b="1">
+                  <a:solidFill>
+                    <a:schemeClr val="tx1"/>
+                  </a:solidFill>
+                  <a:latin typeface="Times New Roman" pitchFamily="18" charset="0"/>
+                  <a:ea typeface="ＭＳ Ｐゴシック" pitchFamily="34" charset="-128"/>
+                </a:defRPr>
+              </a:lvl7pPr>
+              <a:lvl8pPr marL="3429000" indent="-228600" eaLnBrk="0" fontAlgn="base" hangingPunct="0">
+                <a:spcBef>
+                  <a:spcPct val="20000"/>
+                </a:spcBef>
+                <a:spcAft>
+                  <a:spcPct val="0"/>
+                </a:spcAft>
+                <a:buChar char="»"/>
+                <a:defRPr kumimoji="1" sz="2000" b="1">
+                  <a:solidFill>
+                    <a:schemeClr val="tx1"/>
+                  </a:solidFill>
+                  <a:latin typeface="Times New Roman" pitchFamily="18" charset="0"/>
+                  <a:ea typeface="ＭＳ Ｐゴシック" pitchFamily="34" charset="-128"/>
+                </a:defRPr>
+              </a:lvl8pPr>
+              <a:lvl9pPr marL="3886200" indent="-228600" eaLnBrk="0" fontAlgn="base" hangingPunct="0">
+                <a:spcBef>
+                  <a:spcPct val="20000"/>
+                </a:spcBef>
+                <a:spcAft>
+                  <a:spcPct val="0"/>
+                </a:spcAft>
+                <a:buChar char="»"/>
+                <a:defRPr kumimoji="1" sz="2000" b="1">
+                  <a:solidFill>
+                    <a:schemeClr val="tx1"/>
+                  </a:solidFill>
+                  <a:latin typeface="Times New Roman" pitchFamily="18" charset="0"/>
+                  <a:ea typeface="ＭＳ Ｐゴシック" pitchFamily="34" charset="-128"/>
+                </a:defRPr>
+              </a:lvl9pPr>
+            </a:lstStyle>
+            <a:p>
+              <a:pPr eaLnBrk="1" hangingPunct="1">
+                <a:spcBef>
+                  <a:spcPct val="0"/>
+                </a:spcBef>
+                <a:buFontTx/>
+                <a:buNone/>
+              </a:pPr>
+              <a:endParaRPr lang="en-US" altLang="ja-JP" sz="2000"/>
+            </a:p>
+          </p:txBody>
+        </p:sp>
+      </p:grpSp>
+      <p:sp>
+        <p:nvSpPr>
+          <p:cNvPr id="18" name="AutoShape 8"/>
+          <p:cNvSpPr>
+            <a:spLocks noChangeArrowheads="1"/>
+          </p:cNvSpPr>
+          <p:nvPr/>
+        </p:nvSpPr>
+        <p:spPr bwMode="auto">
+          <a:xfrm rot="16200000">
+            <a:off x="1741025" y="2571057"/>
+            <a:ext cx="1696738" cy="1611384"/>
+          </a:xfrm>
+          <a:prstGeom prst="parallelogram">
+            <a:avLst>
+              <a:gd name="adj" fmla="val 15595"/>
+            </a:avLst>
+          </a:prstGeom>
+          <a:solidFill>
+            <a:srgbClr val="CCFFFF"/>
+          </a:solidFill>
+          <a:ln w="9525">
+            <a:solidFill>
+              <a:schemeClr val="tx1"/>
+            </a:solidFill>
+            <a:miter lim="800000"/>
+            <a:headEnd/>
+            <a:tailEnd/>
+          </a:ln>
+        </p:spPr>
+        <p:txBody>
+          <a:bodyPr wrap="none" anchor="ctr"/>
+          <a:lstStyle>
+            <a:lvl1pPr>
+              <a:spcBef>
+                <a:spcPct val="20000"/>
+              </a:spcBef>
+              <a:buChar char="•"/>
+              <a:defRPr kumimoji="1" sz="2400">
+                <a:solidFill>
+                  <a:schemeClr val="tx1"/>
+                </a:solidFill>
+                <a:latin typeface="Arial" charset="0"/>
+                <a:ea typeface="ＭＳ Ｐゴシック" pitchFamily="34" charset="-128"/>
+              </a:defRPr>
+            </a:lvl1pPr>
+            <a:lvl2pPr marL="742950" indent="-285750">
+              <a:spcBef>
+                <a:spcPct val="20000"/>
+              </a:spcBef>
+              <a:buFont typeface="Arial" charset="0"/>
+              <a:buChar char="‒"/>
+              <a:defRPr kumimoji="1" sz="2400">
+                <a:solidFill>
+                  <a:schemeClr val="tx1"/>
+                </a:solidFill>
+                <a:latin typeface="Arial" charset="0"/>
+                <a:ea typeface="ＭＳ Ｐゴシック" pitchFamily="34" charset="-128"/>
+              </a:defRPr>
+            </a:lvl2pPr>
+            <a:lvl3pPr marL="1143000" indent="-228600">
+              <a:spcBef>
+                <a:spcPct val="20000"/>
+              </a:spcBef>
+              <a:buFont typeface="Arial" charset="0"/>
+              <a:buChar char="□"/>
+              <a:defRPr kumimoji="1" sz="2000">
+                <a:solidFill>
+                  <a:schemeClr val="tx1"/>
+                </a:solidFill>
+                <a:latin typeface="Arial" charset="0"/>
+                <a:ea typeface="ＭＳ Ｐゴシック" pitchFamily="34" charset="-128"/>
+              </a:defRPr>
+            </a:lvl3pPr>
+            <a:lvl4pPr marL="1600200" indent="-228600">
+              <a:spcBef>
+                <a:spcPct val="20000"/>
+              </a:spcBef>
+              <a:buFont typeface="Times New Roman" pitchFamily="18" charset="0"/>
+              <a:buChar char="»"/>
+              <a:defRPr kumimoji="1" sz="2000">
+                <a:solidFill>
+                  <a:schemeClr val="tx1"/>
+                </a:solidFill>
+                <a:latin typeface="Arial" charset="0"/>
+                <a:ea typeface="ＭＳ Ｐゴシック" pitchFamily="34" charset="-128"/>
+              </a:defRPr>
+            </a:lvl4pPr>
+            <a:lvl5pPr marL="2057400" indent="-228600">
+              <a:spcBef>
+                <a:spcPct val="20000"/>
+              </a:spcBef>
+              <a:buChar char="»"/>
+              <a:defRPr kumimoji="1" sz="2000" b="1">
+                <a:solidFill>
+                  <a:schemeClr val="tx1"/>
+                </a:solidFill>
+                <a:latin typeface="Times New Roman" pitchFamily="18" charset="0"/>
+                <a:ea typeface="ＭＳ Ｐゴシック" pitchFamily="34" charset="-128"/>
+              </a:defRPr>
+            </a:lvl5pPr>
+            <a:lvl6pPr marL="2514600" indent="-228600" eaLnBrk="0" fontAlgn="base" hangingPunct="0">
+              <a:spcBef>
+                <a:spcPct val="20000"/>
+              </a:spcBef>
+              <a:spcAft>
+                <a:spcPct val="0"/>
+              </a:spcAft>
+              <a:buChar char="»"/>
+              <a:defRPr kumimoji="1" sz="2000" b="1">
+                <a:solidFill>
+                  <a:schemeClr val="tx1"/>
+                </a:solidFill>
+                <a:latin typeface="Times New Roman" pitchFamily="18" charset="0"/>
+                <a:ea typeface="ＭＳ Ｐゴシック" pitchFamily="34" charset="-128"/>
+              </a:defRPr>
+            </a:lvl6pPr>
+            <a:lvl7pPr marL="2971800" indent="-228600" eaLnBrk="0" fontAlgn="base" hangingPunct="0">
+              <a:spcBef>
+                <a:spcPct val="20000"/>
+              </a:spcBef>
+              <a:spcAft>
+                <a:spcPct val="0"/>
+              </a:spcAft>
+              <a:buChar char="»"/>
+              <a:defRPr kumimoji="1" sz="2000" b="1">
+                <a:solidFill>
+                  <a:schemeClr val="tx1"/>
+                </a:solidFill>
+                <a:latin typeface="Times New Roman" pitchFamily="18" charset="0"/>
+                <a:ea typeface="ＭＳ Ｐゴシック" pitchFamily="34" charset="-128"/>
+              </a:defRPr>
+            </a:lvl7pPr>
+            <a:lvl8pPr marL="3429000" indent="-228600" eaLnBrk="0" fontAlgn="base" hangingPunct="0">
+              <a:spcBef>
+                <a:spcPct val="20000"/>
+              </a:spcBef>
+              <a:spcAft>
+                <a:spcPct val="0"/>
+              </a:spcAft>
+              <a:buChar char="»"/>
+              <a:defRPr kumimoji="1" sz="2000" b="1">
+                <a:solidFill>
+                  <a:schemeClr val="tx1"/>
+                </a:solidFill>
+                <a:latin typeface="Times New Roman" pitchFamily="18" charset="0"/>
+                <a:ea typeface="ＭＳ Ｐゴシック" pitchFamily="34" charset="-128"/>
+              </a:defRPr>
+            </a:lvl8pPr>
+            <a:lvl9pPr marL="3886200" indent="-228600" eaLnBrk="0" fontAlgn="base" hangingPunct="0">
+              <a:spcBef>
+                <a:spcPct val="20000"/>
+              </a:spcBef>
+              <a:spcAft>
+                <a:spcPct val="0"/>
+              </a:spcAft>
+              <a:buChar char="»"/>
+              <a:defRPr kumimoji="1" sz="2000" b="1">
+                <a:solidFill>
+                  <a:schemeClr val="tx1"/>
+                </a:solidFill>
+                <a:latin typeface="Times New Roman" pitchFamily="18" charset="0"/>
+                <a:ea typeface="ＭＳ Ｐゴシック" pitchFamily="34" charset="-128"/>
+              </a:defRPr>
+            </a:lvl9pPr>
+          </a:lstStyle>
+          <a:p>
+            <a:pPr eaLnBrk="1" hangingPunct="1">
+              <a:spcBef>
+                <a:spcPct val="0"/>
+              </a:spcBef>
+              <a:buFontTx/>
+              <a:buNone/>
+            </a:pPr>
+            <a:endParaRPr lang="en-US" altLang="ja-JP" sz="2000"/>
+          </a:p>
+        </p:txBody>
+      </p:sp>
+      <p:grpSp>
+        <p:nvGrpSpPr>
+          <p:cNvPr id="19" name="Group 9"/>
+          <p:cNvGrpSpPr>
+            <a:grpSpLocks/>
+          </p:cNvGrpSpPr>
+          <p:nvPr/>
+        </p:nvGrpSpPr>
+        <p:grpSpPr bwMode="auto">
+          <a:xfrm rot="2227789">
+            <a:off x="714312" y="4155741"/>
+            <a:ext cx="442643" cy="531682"/>
+            <a:chOff x="2893" y="2655"/>
+            <a:chExt cx="267" cy="340"/>
+          </a:xfrm>
+        </p:grpSpPr>
+        <p:sp>
+          <p:nvSpPr>
+            <p:cNvPr id="20" name="AutoShape 10"/>
+            <p:cNvSpPr>
+              <a:spLocks noChangeArrowheads="1"/>
+            </p:cNvSpPr>
+            <p:nvPr/>
+          </p:nvSpPr>
+          <p:spPr bwMode="auto">
+            <a:xfrm>
+              <a:off x="2893" y="2744"/>
+              <a:ext cx="267" cy="251"/>
+            </a:xfrm>
+            <a:prstGeom prst="cube">
+              <a:avLst>
+                <a:gd name="adj" fmla="val 25000"/>
+              </a:avLst>
+            </a:prstGeom>
+            <a:solidFill>
+              <a:srgbClr val="333333"/>
+            </a:solidFill>
+            <a:ln>
+              <a:noFill/>
+            </a:ln>
+            <a:extLst>
+              <a:ext uri="{91240B29-F687-4F45-9708-019B960494DF}">
+                <a14:hiddenLine xmlns:a14="http://schemas.microsoft.com/office/drawing/2010/main" w="9525">
+                  <a:solidFill>
+                    <a:srgbClr val="000000"/>
+                  </a:solidFill>
+                  <a:miter lim="800000"/>
+                  <a:headEnd/>
+                  <a:tailEnd/>
+                </a14:hiddenLine>
+              </a:ext>
+            </a:extLst>
+          </p:spPr>
+          <p:txBody>
+            <a:bodyPr anchor="ctr">
+              <a:spAutoFit/>
+            </a:bodyPr>
+            <a:lstStyle>
+              <a:lvl1pPr>
+                <a:spcBef>
+                  <a:spcPct val="20000"/>
+                </a:spcBef>
+                <a:buChar char="•"/>
+                <a:defRPr kumimoji="1" sz="2400">
+                  <a:solidFill>
+                    <a:schemeClr val="tx1"/>
+                  </a:solidFill>
+                  <a:latin typeface="Arial" charset="0"/>
+                  <a:ea typeface="ＭＳ Ｐゴシック" pitchFamily="34" charset="-128"/>
+                </a:defRPr>
+              </a:lvl1pPr>
+              <a:lvl2pPr marL="742950" indent="-285750">
+                <a:spcBef>
+                  <a:spcPct val="20000"/>
+                </a:spcBef>
+                <a:buFont typeface="Arial" charset="0"/>
+                <a:buChar char="‒"/>
+                <a:defRPr kumimoji="1" sz="2400">
+                  <a:solidFill>
+                    <a:schemeClr val="tx1"/>
+                  </a:solidFill>
+                  <a:latin typeface="Arial" charset="0"/>
+                  <a:ea typeface="ＭＳ Ｐゴシック" pitchFamily="34" charset="-128"/>
+                </a:defRPr>
+              </a:lvl2pPr>
+              <a:lvl3pPr marL="1143000" indent="-228600">
+                <a:spcBef>
+                  <a:spcPct val="20000"/>
+                </a:spcBef>
+                <a:buFont typeface="Arial" charset="0"/>
+                <a:buChar char="□"/>
+                <a:defRPr kumimoji="1" sz="2000">
+                  <a:solidFill>
+                    <a:schemeClr val="tx1"/>
+                  </a:solidFill>
+                  <a:latin typeface="Arial" charset="0"/>
+                  <a:ea typeface="ＭＳ Ｐゴシック" pitchFamily="34" charset="-128"/>
+                </a:defRPr>
+              </a:lvl3pPr>
+              <a:lvl4pPr marL="1600200" indent="-228600">
+                <a:spcBef>
+                  <a:spcPct val="20000"/>
+                </a:spcBef>
+                <a:buFont typeface="Times New Roman" pitchFamily="18" charset="0"/>
+                <a:buChar char="»"/>
+                <a:defRPr kumimoji="1" sz="2000">
+                  <a:solidFill>
+                    <a:schemeClr val="tx1"/>
+                  </a:solidFill>
+                  <a:latin typeface="Arial" charset="0"/>
+                  <a:ea typeface="ＭＳ Ｐゴシック" pitchFamily="34" charset="-128"/>
+                </a:defRPr>
+              </a:lvl4pPr>
+              <a:lvl5pPr marL="2057400" indent="-228600">
+                <a:spcBef>
+                  <a:spcPct val="20000"/>
+                </a:spcBef>
+                <a:buChar char="»"/>
+                <a:defRPr kumimoji="1" sz="2000" b="1">
+                  <a:solidFill>
+                    <a:schemeClr val="tx1"/>
+                  </a:solidFill>
+                  <a:latin typeface="Times New Roman" pitchFamily="18" charset="0"/>
+                  <a:ea typeface="ＭＳ Ｐゴシック" pitchFamily="34" charset="-128"/>
+                </a:defRPr>
+              </a:lvl5pPr>
+              <a:lvl6pPr marL="2514600" indent="-228600" eaLnBrk="0" fontAlgn="base" hangingPunct="0">
+                <a:spcBef>
+                  <a:spcPct val="20000"/>
+                </a:spcBef>
+                <a:spcAft>
+                  <a:spcPct val="0"/>
+                </a:spcAft>
+                <a:buChar char="»"/>
+                <a:defRPr kumimoji="1" sz="2000" b="1">
+                  <a:solidFill>
+                    <a:schemeClr val="tx1"/>
+                  </a:solidFill>
+                  <a:latin typeface="Times New Roman" pitchFamily="18" charset="0"/>
+                  <a:ea typeface="ＭＳ Ｐゴシック" pitchFamily="34" charset="-128"/>
+                </a:defRPr>
+              </a:lvl6pPr>
+              <a:lvl7pPr marL="2971800" indent="-228600" eaLnBrk="0" fontAlgn="base" hangingPunct="0">
+                <a:spcBef>
+                  <a:spcPct val="20000"/>
+                </a:spcBef>
+                <a:spcAft>
+                  <a:spcPct val="0"/>
+                </a:spcAft>
+                <a:buChar char="»"/>
+                <a:defRPr kumimoji="1" sz="2000" b="1">
+                  <a:solidFill>
+                    <a:schemeClr val="tx1"/>
+                  </a:solidFill>
+                  <a:latin typeface="Times New Roman" pitchFamily="18" charset="0"/>
+                  <a:ea typeface="ＭＳ Ｐゴシック" pitchFamily="34" charset="-128"/>
+                </a:defRPr>
+              </a:lvl7pPr>
+              <a:lvl8pPr marL="3429000" indent="-228600" eaLnBrk="0" fontAlgn="base" hangingPunct="0">
+                <a:spcBef>
+                  <a:spcPct val="20000"/>
+                </a:spcBef>
+                <a:spcAft>
+                  <a:spcPct val="0"/>
+                </a:spcAft>
+                <a:buChar char="»"/>
+                <a:defRPr kumimoji="1" sz="2000" b="1">
+                  <a:solidFill>
+                    <a:schemeClr val="tx1"/>
+                  </a:solidFill>
+                  <a:latin typeface="Times New Roman" pitchFamily="18" charset="0"/>
+                  <a:ea typeface="ＭＳ Ｐゴシック" pitchFamily="34" charset="-128"/>
+                </a:defRPr>
+              </a:lvl8pPr>
+              <a:lvl9pPr marL="3886200" indent="-228600" eaLnBrk="0" fontAlgn="base" hangingPunct="0">
+                <a:spcBef>
+                  <a:spcPct val="20000"/>
+                </a:spcBef>
+                <a:spcAft>
+                  <a:spcPct val="0"/>
+                </a:spcAft>
+                <a:buChar char="»"/>
+                <a:defRPr kumimoji="1" sz="2000" b="1">
+                  <a:solidFill>
+                    <a:schemeClr val="tx1"/>
+                  </a:solidFill>
+                  <a:latin typeface="Times New Roman" pitchFamily="18" charset="0"/>
+                  <a:ea typeface="ＭＳ Ｐゴシック" pitchFamily="34" charset="-128"/>
+                </a:defRPr>
+              </a:lvl9pPr>
+            </a:lstStyle>
+            <a:p>
+              <a:pPr eaLnBrk="1" hangingPunct="1">
+                <a:spcBef>
+                  <a:spcPct val="0"/>
+                </a:spcBef>
+                <a:buFontTx/>
+                <a:buNone/>
+              </a:pPr>
+              <a:endParaRPr lang="en-US" altLang="ja-JP" sz="2000"/>
+            </a:p>
+          </p:txBody>
+        </p:sp>
+        <p:sp>
+          <p:nvSpPr>
+            <p:cNvPr id="21" name="AutoShape 11"/>
+            <p:cNvSpPr>
+              <a:spLocks noChangeArrowheads="1"/>
+            </p:cNvSpPr>
+            <p:nvPr/>
+          </p:nvSpPr>
+          <p:spPr bwMode="auto">
+            <a:xfrm>
+              <a:off x="2960" y="2655"/>
+              <a:ext cx="121" cy="140"/>
+            </a:xfrm>
+            <a:prstGeom prst="can">
+              <a:avLst>
+                <a:gd name="adj" fmla="val 28926"/>
+              </a:avLst>
+            </a:prstGeom>
+            <a:solidFill>
+              <a:srgbClr val="333333"/>
+            </a:solidFill>
+            <a:ln>
+              <a:noFill/>
+            </a:ln>
+            <a:extLst>
+              <a:ext uri="{91240B29-F687-4F45-9708-019B960494DF}">
+                <a14:hiddenLine xmlns:a14="http://schemas.microsoft.com/office/drawing/2010/main" w="9525">
+                  <a:solidFill>
+                    <a:srgbClr val="000000"/>
+                  </a:solidFill>
+                  <a:round/>
+                  <a:headEnd/>
+                  <a:tailEnd/>
+                </a14:hiddenLine>
+              </a:ext>
+            </a:extLst>
+          </p:spPr>
+          <p:txBody>
+            <a:bodyPr anchor="ctr">
+              <a:spAutoFit/>
+            </a:bodyPr>
+            <a:lstStyle>
+              <a:lvl1pPr>
+                <a:spcBef>
+                  <a:spcPct val="20000"/>
+                </a:spcBef>
+                <a:buChar char="•"/>
+                <a:defRPr kumimoji="1" sz="2400">
+                  <a:solidFill>
+                    <a:schemeClr val="tx1"/>
+                  </a:solidFill>
+                  <a:latin typeface="Arial" charset="0"/>
+                  <a:ea typeface="ＭＳ Ｐゴシック" pitchFamily="34" charset="-128"/>
+                </a:defRPr>
+              </a:lvl1pPr>
+              <a:lvl2pPr marL="742950" indent="-285750">
+                <a:spcBef>
+                  <a:spcPct val="20000"/>
+                </a:spcBef>
+                <a:buFont typeface="Arial" charset="0"/>
+                <a:buChar char="‒"/>
+                <a:defRPr kumimoji="1" sz="2400">
+                  <a:solidFill>
+                    <a:schemeClr val="tx1"/>
+                  </a:solidFill>
+                  <a:latin typeface="Arial" charset="0"/>
+                  <a:ea typeface="ＭＳ Ｐゴシック" pitchFamily="34" charset="-128"/>
+                </a:defRPr>
+              </a:lvl2pPr>
+              <a:lvl3pPr marL="1143000" indent="-228600">
+                <a:spcBef>
+                  <a:spcPct val="20000"/>
+                </a:spcBef>
+                <a:buFont typeface="Arial" charset="0"/>
+                <a:buChar char="□"/>
+                <a:defRPr kumimoji="1" sz="2000">
+                  <a:solidFill>
+                    <a:schemeClr val="tx1"/>
+                  </a:solidFill>
+                  <a:latin typeface="Arial" charset="0"/>
+                  <a:ea typeface="ＭＳ Ｐゴシック" pitchFamily="34" charset="-128"/>
+                </a:defRPr>
+              </a:lvl3pPr>
+              <a:lvl4pPr marL="1600200" indent="-228600">
+                <a:spcBef>
+                  <a:spcPct val="20000"/>
+                </a:spcBef>
+                <a:buFont typeface="Times New Roman" pitchFamily="18" charset="0"/>
+                <a:buChar char="»"/>
+                <a:defRPr kumimoji="1" sz="2000">
+                  <a:solidFill>
+                    <a:schemeClr val="tx1"/>
+                  </a:solidFill>
+                  <a:latin typeface="Arial" charset="0"/>
+                  <a:ea typeface="ＭＳ Ｐゴシック" pitchFamily="34" charset="-128"/>
+                </a:defRPr>
+              </a:lvl4pPr>
+              <a:lvl5pPr marL="2057400" indent="-228600">
+                <a:spcBef>
+                  <a:spcPct val="20000"/>
+                </a:spcBef>
+                <a:buChar char="»"/>
+                <a:defRPr kumimoji="1" sz="2000" b="1">
+                  <a:solidFill>
+                    <a:schemeClr val="tx1"/>
+                  </a:solidFill>
+                  <a:latin typeface="Times New Roman" pitchFamily="18" charset="0"/>
+                  <a:ea typeface="ＭＳ Ｐゴシック" pitchFamily="34" charset="-128"/>
+                </a:defRPr>
+              </a:lvl5pPr>
+              <a:lvl6pPr marL="2514600" indent="-228600" eaLnBrk="0" fontAlgn="base" hangingPunct="0">
+                <a:spcBef>
+                  <a:spcPct val="20000"/>
+                </a:spcBef>
+                <a:spcAft>
+                  <a:spcPct val="0"/>
+                </a:spcAft>
+                <a:buChar char="»"/>
+                <a:defRPr kumimoji="1" sz="2000" b="1">
+                  <a:solidFill>
+                    <a:schemeClr val="tx1"/>
+                  </a:solidFill>
+                  <a:latin typeface="Times New Roman" pitchFamily="18" charset="0"/>
+                  <a:ea typeface="ＭＳ Ｐゴシック" pitchFamily="34" charset="-128"/>
+                </a:defRPr>
+              </a:lvl6pPr>
+              <a:lvl7pPr marL="2971800" indent="-228600" eaLnBrk="0" fontAlgn="base" hangingPunct="0">
+                <a:spcBef>
+                  <a:spcPct val="20000"/>
+                </a:spcBef>
+                <a:spcAft>
+                  <a:spcPct val="0"/>
+                </a:spcAft>
+                <a:buChar char="»"/>
+                <a:defRPr kumimoji="1" sz="2000" b="1">
+                  <a:solidFill>
+                    <a:schemeClr val="tx1"/>
+                  </a:solidFill>
+                  <a:latin typeface="Times New Roman" pitchFamily="18" charset="0"/>
+                  <a:ea typeface="ＭＳ Ｐゴシック" pitchFamily="34" charset="-128"/>
+                </a:defRPr>
+              </a:lvl7pPr>
+              <a:lvl8pPr marL="3429000" indent="-228600" eaLnBrk="0" fontAlgn="base" hangingPunct="0">
+                <a:spcBef>
+                  <a:spcPct val="20000"/>
+                </a:spcBef>
+                <a:spcAft>
+                  <a:spcPct val="0"/>
+                </a:spcAft>
+                <a:buChar char="»"/>
+                <a:defRPr kumimoji="1" sz="2000" b="1">
+                  <a:solidFill>
+                    <a:schemeClr val="tx1"/>
+                  </a:solidFill>
+                  <a:latin typeface="Times New Roman" pitchFamily="18" charset="0"/>
+                  <a:ea typeface="ＭＳ Ｐゴシック" pitchFamily="34" charset="-128"/>
+                </a:defRPr>
+              </a:lvl8pPr>
+              <a:lvl9pPr marL="3886200" indent="-228600" eaLnBrk="0" fontAlgn="base" hangingPunct="0">
+                <a:spcBef>
+                  <a:spcPct val="20000"/>
+                </a:spcBef>
+                <a:spcAft>
+                  <a:spcPct val="0"/>
+                </a:spcAft>
+                <a:buChar char="»"/>
+                <a:defRPr kumimoji="1" sz="2000" b="1">
+                  <a:solidFill>
+                    <a:schemeClr val="tx1"/>
+                  </a:solidFill>
+                  <a:latin typeface="Times New Roman" pitchFamily="18" charset="0"/>
+                  <a:ea typeface="ＭＳ Ｐゴシック" pitchFamily="34" charset="-128"/>
+                </a:defRPr>
+              </a:lvl9pPr>
+            </a:lstStyle>
+            <a:p>
+              <a:pPr eaLnBrk="1" hangingPunct="1">
+                <a:spcBef>
+                  <a:spcPct val="0"/>
+                </a:spcBef>
+                <a:buFontTx/>
+                <a:buNone/>
+              </a:pPr>
+              <a:endParaRPr lang="en-US" altLang="ja-JP" sz="2000"/>
+            </a:p>
+          </p:txBody>
+        </p:sp>
+      </p:grpSp>
+      <p:sp>
+        <p:nvSpPr>
+          <p:cNvPr id="22" name="Text Box 12" descr="右上がり対角線 (反転)"/>
+          <p:cNvSpPr txBox="1">
+            <a:spLocks noChangeArrowheads="1"/>
+          </p:cNvSpPr>
+          <p:nvPr/>
+        </p:nvSpPr>
+        <p:spPr bwMode="auto">
+          <a:xfrm>
+            <a:off x="49674" y="4741849"/>
+            <a:ext cx="1246970" cy="707886"/>
+          </a:xfrm>
+          <a:prstGeom prst="rect">
+            <a:avLst/>
+          </a:prstGeom>
+          <a:noFill/>
+          <a:ln>
+            <a:noFill/>
+          </a:ln>
+          <a:extLst>
+            <a:ext uri="{909E8E84-426E-40DD-AFC4-6F175D3DCCD1}">
+              <a14:hiddenFill xmlns:a14="http://schemas.microsoft.com/office/drawing/2010/main">
+                <a:solidFill>
+                  <a:srgbClr val="FFFFFF"/>
+                </a:solidFill>
+              </a14:hiddenFill>
+            </a:ext>
+            <a:ext uri="{91240B29-F687-4F45-9708-019B960494DF}">
+              <a14:hiddenLine xmlns:a14="http://schemas.microsoft.com/office/drawing/2010/main" w="9525" algn="ctr">
+                <a:solidFill>
+                  <a:srgbClr val="000000"/>
+                </a:solidFill>
+                <a:miter lim="800000"/>
+                <a:headEnd/>
+                <a:tailEnd/>
+              </a14:hiddenLine>
+            </a:ext>
+          </a:extLst>
+        </p:spPr>
+        <p:txBody>
+          <a:bodyPr wrap="square">
+            <a:spAutoFit/>
+          </a:bodyPr>
+          <a:lstStyle>
+            <a:lvl1pPr>
+              <a:spcBef>
+                <a:spcPct val="20000"/>
+              </a:spcBef>
+              <a:buChar char="•"/>
+              <a:defRPr kumimoji="1" sz="2400">
+                <a:solidFill>
+                  <a:schemeClr val="tx1"/>
+                </a:solidFill>
+                <a:latin typeface="Arial" charset="0"/>
+                <a:ea typeface="ＭＳ Ｐゴシック" pitchFamily="34" charset="-128"/>
+              </a:defRPr>
+            </a:lvl1pPr>
+            <a:lvl2pPr marL="742950" indent="-285750">
+              <a:spcBef>
+                <a:spcPct val="20000"/>
+              </a:spcBef>
+              <a:buFont typeface="Arial" charset="0"/>
+              <a:buChar char="‒"/>
+              <a:defRPr kumimoji="1" sz="2400">
+                <a:solidFill>
+                  <a:schemeClr val="tx1"/>
+                </a:solidFill>
+                <a:latin typeface="Arial" charset="0"/>
+                <a:ea typeface="ＭＳ Ｐゴシック" pitchFamily="34" charset="-128"/>
+              </a:defRPr>
+            </a:lvl2pPr>
+            <a:lvl3pPr marL="1143000" indent="-228600">
+              <a:spcBef>
+                <a:spcPct val="20000"/>
+              </a:spcBef>
+              <a:buFont typeface="Arial" charset="0"/>
+              <a:buChar char="□"/>
+              <a:defRPr kumimoji="1" sz="2000">
+                <a:solidFill>
+                  <a:schemeClr val="tx1"/>
+                </a:solidFill>
+                <a:latin typeface="Arial" charset="0"/>
+                <a:ea typeface="ＭＳ Ｐゴシック" pitchFamily="34" charset="-128"/>
+              </a:defRPr>
+            </a:lvl3pPr>
+            <a:lvl4pPr marL="1600200" indent="-228600">
+              <a:spcBef>
+                <a:spcPct val="20000"/>
+              </a:spcBef>
+              <a:buFont typeface="Times New Roman" pitchFamily="18" charset="0"/>
+              <a:buChar char="»"/>
+              <a:defRPr kumimoji="1" sz="2000">
+                <a:solidFill>
+                  <a:schemeClr val="tx1"/>
+                </a:solidFill>
+                <a:latin typeface="Arial" charset="0"/>
+                <a:ea typeface="ＭＳ Ｐゴシック" pitchFamily="34" charset="-128"/>
+              </a:defRPr>
+            </a:lvl4pPr>
+            <a:lvl5pPr marL="2057400" indent="-228600">
+              <a:spcBef>
+                <a:spcPct val="20000"/>
+              </a:spcBef>
+              <a:buChar char="»"/>
+              <a:defRPr kumimoji="1" sz="2000" b="1">
+                <a:solidFill>
+                  <a:schemeClr val="tx1"/>
+                </a:solidFill>
+                <a:latin typeface="Times New Roman" pitchFamily="18" charset="0"/>
+                <a:ea typeface="ＭＳ Ｐゴシック" pitchFamily="34" charset="-128"/>
+              </a:defRPr>
+            </a:lvl5pPr>
+            <a:lvl6pPr marL="2514600" indent="-228600" eaLnBrk="0" fontAlgn="base" hangingPunct="0">
+              <a:spcBef>
+                <a:spcPct val="20000"/>
+              </a:spcBef>
+              <a:spcAft>
+                <a:spcPct val="0"/>
+              </a:spcAft>
+              <a:buChar char="»"/>
+              <a:defRPr kumimoji="1" sz="2000" b="1">
+                <a:solidFill>
+                  <a:schemeClr val="tx1"/>
+                </a:solidFill>
+                <a:latin typeface="Times New Roman" pitchFamily="18" charset="0"/>
+                <a:ea typeface="ＭＳ Ｐゴシック" pitchFamily="34" charset="-128"/>
+              </a:defRPr>
+            </a:lvl6pPr>
+            <a:lvl7pPr marL="2971800" indent="-228600" eaLnBrk="0" fontAlgn="base" hangingPunct="0">
+              <a:spcBef>
+                <a:spcPct val="20000"/>
+              </a:spcBef>
+              <a:spcAft>
+                <a:spcPct val="0"/>
+              </a:spcAft>
+              <a:buChar char="»"/>
+              <a:defRPr kumimoji="1" sz="2000" b="1">
+                <a:solidFill>
+                  <a:schemeClr val="tx1"/>
+                </a:solidFill>
+                <a:latin typeface="Times New Roman" pitchFamily="18" charset="0"/>
+                <a:ea typeface="ＭＳ Ｐゴシック" pitchFamily="34" charset="-128"/>
+              </a:defRPr>
+            </a:lvl7pPr>
+            <a:lvl8pPr marL="3429000" indent="-228600" eaLnBrk="0" fontAlgn="base" hangingPunct="0">
+              <a:spcBef>
+                <a:spcPct val="20000"/>
+              </a:spcBef>
+              <a:spcAft>
+                <a:spcPct val="0"/>
+              </a:spcAft>
+              <a:buChar char="»"/>
+              <a:defRPr kumimoji="1" sz="2000" b="1">
+                <a:solidFill>
+                  <a:schemeClr val="tx1"/>
+                </a:solidFill>
+                <a:latin typeface="Times New Roman" pitchFamily="18" charset="0"/>
+                <a:ea typeface="ＭＳ Ｐゴシック" pitchFamily="34" charset="-128"/>
+              </a:defRPr>
+            </a:lvl8pPr>
+            <a:lvl9pPr marL="3886200" indent="-228600" eaLnBrk="0" fontAlgn="base" hangingPunct="0">
+              <a:spcBef>
+                <a:spcPct val="20000"/>
+              </a:spcBef>
+              <a:spcAft>
+                <a:spcPct val="0"/>
+              </a:spcAft>
+              <a:buChar char="»"/>
+              <a:defRPr kumimoji="1" sz="2000" b="1">
+                <a:solidFill>
+                  <a:schemeClr val="tx1"/>
+                </a:solidFill>
+                <a:latin typeface="Times New Roman" pitchFamily="18" charset="0"/>
+                <a:ea typeface="ＭＳ Ｐゴシック" pitchFamily="34" charset="-128"/>
+              </a:defRPr>
+            </a:lvl9pPr>
+          </a:lstStyle>
+          <a:p>
+            <a:pPr eaLnBrk="1" hangingPunct="1">
+              <a:spcBef>
+                <a:spcPct val="0"/>
+              </a:spcBef>
+              <a:buFontTx/>
+              <a:buNone/>
+            </a:pPr>
+            <a:r>
+              <a:rPr lang="en-US" altLang="ja-JP" sz="2000" dirty="0" smtClean="0"/>
+              <a:t>Projector</a:t>
+            </a:r>
+          </a:p>
+          <a:p>
+            <a:pPr eaLnBrk="1" hangingPunct="1">
+              <a:spcBef>
+                <a:spcPct val="0"/>
+              </a:spcBef>
+              <a:buFontTx/>
+              <a:buNone/>
+            </a:pPr>
+            <a:r>
+              <a:rPr lang="en-US" altLang="ja-JP" sz="2000" dirty="0" smtClean="0"/>
+              <a:t>(u</a:t>
+            </a:r>
+            <a:r>
+              <a:rPr lang="en-US" altLang="ja-JP" sz="1200" dirty="0"/>
+              <a:t>1</a:t>
+            </a:r>
+            <a:r>
+              <a:rPr lang="en-US" altLang="ja-JP" sz="2000" dirty="0" smtClean="0"/>
+              <a:t>, v</a:t>
+            </a:r>
+            <a:r>
+              <a:rPr lang="en-US" altLang="ja-JP" sz="1200" dirty="0"/>
+              <a:t>1</a:t>
+            </a:r>
+            <a:r>
+              <a:rPr lang="en-US" altLang="ja-JP" sz="2000" dirty="0" smtClean="0"/>
+              <a:t>)</a:t>
+            </a:r>
+            <a:endParaRPr lang="en-US" altLang="ja-JP" sz="2000" dirty="0"/>
+          </a:p>
+        </p:txBody>
+      </p:sp>
+      <p:sp>
+        <p:nvSpPr>
+          <p:cNvPr id="23" name="Text Box 13" descr="右上がり対角線 (反転)"/>
+          <p:cNvSpPr txBox="1">
+            <a:spLocks noChangeArrowheads="1"/>
+          </p:cNvSpPr>
+          <p:nvPr/>
+        </p:nvSpPr>
+        <p:spPr bwMode="auto">
+          <a:xfrm>
+            <a:off x="2583647" y="5035536"/>
+            <a:ext cx="1102185" cy="707886"/>
+          </a:xfrm>
+          <a:prstGeom prst="rect">
+            <a:avLst/>
+          </a:prstGeom>
+          <a:noFill/>
+          <a:ln>
+            <a:noFill/>
+          </a:ln>
+          <a:extLst>
+            <a:ext uri="{909E8E84-426E-40DD-AFC4-6F175D3DCCD1}">
+              <a14:hiddenFill xmlns:a14="http://schemas.microsoft.com/office/drawing/2010/main">
+                <a:solidFill>
+                  <a:srgbClr val="FFFFFF"/>
+                </a:solidFill>
+              </a14:hiddenFill>
+            </a:ext>
+            <a:ext uri="{91240B29-F687-4F45-9708-019B960494DF}">
+              <a14:hiddenLine xmlns:a14="http://schemas.microsoft.com/office/drawing/2010/main" w="9525" algn="ctr">
+                <a:solidFill>
+                  <a:srgbClr val="000000"/>
+                </a:solidFill>
+                <a:miter lim="800000"/>
+                <a:headEnd/>
+                <a:tailEnd/>
+              </a14:hiddenLine>
+            </a:ext>
+          </a:extLst>
+        </p:spPr>
+        <p:txBody>
+          <a:bodyPr wrap="square">
+            <a:spAutoFit/>
+          </a:bodyPr>
+          <a:lstStyle>
+            <a:lvl1pPr>
+              <a:spcBef>
+                <a:spcPct val="20000"/>
+              </a:spcBef>
+              <a:buChar char="•"/>
+              <a:defRPr kumimoji="1" sz="2400">
+                <a:solidFill>
+                  <a:schemeClr val="tx1"/>
+                </a:solidFill>
+                <a:latin typeface="Arial" charset="0"/>
+                <a:ea typeface="ＭＳ Ｐゴシック" pitchFamily="34" charset="-128"/>
+              </a:defRPr>
+            </a:lvl1pPr>
+            <a:lvl2pPr marL="742950" indent="-285750">
+              <a:spcBef>
+                <a:spcPct val="20000"/>
+              </a:spcBef>
+              <a:buFont typeface="Arial" charset="0"/>
+              <a:buChar char="‒"/>
+              <a:defRPr kumimoji="1" sz="2400">
+                <a:solidFill>
+                  <a:schemeClr val="tx1"/>
+                </a:solidFill>
+                <a:latin typeface="Arial" charset="0"/>
+                <a:ea typeface="ＭＳ Ｐゴシック" pitchFamily="34" charset="-128"/>
+              </a:defRPr>
+            </a:lvl2pPr>
+            <a:lvl3pPr marL="1143000" indent="-228600">
+              <a:spcBef>
+                <a:spcPct val="20000"/>
+              </a:spcBef>
+              <a:buFont typeface="Arial" charset="0"/>
+              <a:buChar char="□"/>
+              <a:defRPr kumimoji="1" sz="2000">
+                <a:solidFill>
+                  <a:schemeClr val="tx1"/>
+                </a:solidFill>
+                <a:latin typeface="Arial" charset="0"/>
+                <a:ea typeface="ＭＳ Ｐゴシック" pitchFamily="34" charset="-128"/>
+              </a:defRPr>
+            </a:lvl3pPr>
+            <a:lvl4pPr marL="1600200" indent="-228600">
+              <a:spcBef>
+                <a:spcPct val="20000"/>
+              </a:spcBef>
+              <a:buFont typeface="Times New Roman" pitchFamily="18" charset="0"/>
+              <a:buChar char="»"/>
+              <a:defRPr kumimoji="1" sz="2000">
+                <a:solidFill>
+                  <a:schemeClr val="tx1"/>
+                </a:solidFill>
+                <a:latin typeface="Arial" charset="0"/>
+                <a:ea typeface="ＭＳ Ｐゴシック" pitchFamily="34" charset="-128"/>
+              </a:defRPr>
+            </a:lvl4pPr>
+            <a:lvl5pPr marL="2057400" indent="-228600">
+              <a:spcBef>
+                <a:spcPct val="20000"/>
+              </a:spcBef>
+              <a:buChar char="»"/>
+              <a:defRPr kumimoji="1" sz="2000" b="1">
+                <a:solidFill>
+                  <a:schemeClr val="tx1"/>
+                </a:solidFill>
+                <a:latin typeface="Times New Roman" pitchFamily="18" charset="0"/>
+                <a:ea typeface="ＭＳ Ｐゴシック" pitchFamily="34" charset="-128"/>
+              </a:defRPr>
+            </a:lvl5pPr>
+            <a:lvl6pPr marL="2514600" indent="-228600" eaLnBrk="0" fontAlgn="base" hangingPunct="0">
+              <a:spcBef>
+                <a:spcPct val="20000"/>
+              </a:spcBef>
+              <a:spcAft>
+                <a:spcPct val="0"/>
+              </a:spcAft>
+              <a:buChar char="»"/>
+              <a:defRPr kumimoji="1" sz="2000" b="1">
+                <a:solidFill>
+                  <a:schemeClr val="tx1"/>
+                </a:solidFill>
+                <a:latin typeface="Times New Roman" pitchFamily="18" charset="0"/>
+                <a:ea typeface="ＭＳ Ｐゴシック" pitchFamily="34" charset="-128"/>
+              </a:defRPr>
+            </a:lvl6pPr>
+            <a:lvl7pPr marL="2971800" indent="-228600" eaLnBrk="0" fontAlgn="base" hangingPunct="0">
+              <a:spcBef>
+                <a:spcPct val="20000"/>
+              </a:spcBef>
+              <a:spcAft>
+                <a:spcPct val="0"/>
+              </a:spcAft>
+              <a:buChar char="»"/>
+              <a:defRPr kumimoji="1" sz="2000" b="1">
+                <a:solidFill>
+                  <a:schemeClr val="tx1"/>
+                </a:solidFill>
+                <a:latin typeface="Times New Roman" pitchFamily="18" charset="0"/>
+                <a:ea typeface="ＭＳ Ｐゴシック" pitchFamily="34" charset="-128"/>
+              </a:defRPr>
+            </a:lvl7pPr>
+            <a:lvl8pPr marL="3429000" indent="-228600" eaLnBrk="0" fontAlgn="base" hangingPunct="0">
+              <a:spcBef>
+                <a:spcPct val="20000"/>
+              </a:spcBef>
+              <a:spcAft>
+                <a:spcPct val="0"/>
+              </a:spcAft>
+              <a:buChar char="»"/>
+              <a:defRPr kumimoji="1" sz="2000" b="1">
+                <a:solidFill>
+                  <a:schemeClr val="tx1"/>
+                </a:solidFill>
+                <a:latin typeface="Times New Roman" pitchFamily="18" charset="0"/>
+                <a:ea typeface="ＭＳ Ｐゴシック" pitchFamily="34" charset="-128"/>
+              </a:defRPr>
+            </a:lvl8pPr>
+            <a:lvl9pPr marL="3886200" indent="-228600" eaLnBrk="0" fontAlgn="base" hangingPunct="0">
+              <a:spcBef>
+                <a:spcPct val="20000"/>
+              </a:spcBef>
+              <a:spcAft>
+                <a:spcPct val="0"/>
+              </a:spcAft>
+              <a:buChar char="»"/>
+              <a:defRPr kumimoji="1" sz="2000" b="1">
+                <a:solidFill>
+                  <a:schemeClr val="tx1"/>
+                </a:solidFill>
+                <a:latin typeface="Times New Roman" pitchFamily="18" charset="0"/>
+                <a:ea typeface="ＭＳ Ｐゴシック" pitchFamily="34" charset="-128"/>
+              </a:defRPr>
+            </a:lvl9pPr>
+          </a:lstStyle>
+          <a:p>
+            <a:pPr eaLnBrk="1" hangingPunct="1">
+              <a:spcBef>
+                <a:spcPct val="0"/>
+              </a:spcBef>
+              <a:buFontTx/>
+              <a:buNone/>
+            </a:pPr>
+            <a:r>
+              <a:rPr lang="en-US" altLang="ja-JP" sz="2000" dirty="0" smtClean="0"/>
+              <a:t>Camera</a:t>
+            </a:r>
+          </a:p>
+          <a:p>
+            <a:pPr eaLnBrk="1" hangingPunct="1">
+              <a:spcBef>
+                <a:spcPct val="0"/>
+              </a:spcBef>
+              <a:buFontTx/>
+              <a:buNone/>
+            </a:pPr>
+            <a:r>
+              <a:rPr lang="en-US" altLang="ja-JP" sz="2000" dirty="0" smtClean="0"/>
+              <a:t>(u</a:t>
+            </a:r>
+            <a:r>
+              <a:rPr lang="en-US" altLang="ja-JP" sz="1200" dirty="0"/>
+              <a:t>2</a:t>
+            </a:r>
+            <a:r>
+              <a:rPr lang="en-US" altLang="ja-JP" sz="2000" dirty="0" smtClean="0"/>
+              <a:t>, v</a:t>
+            </a:r>
+            <a:r>
+              <a:rPr lang="en-US" altLang="ja-JP" sz="1200" dirty="0"/>
+              <a:t>2</a:t>
+            </a:r>
+            <a:r>
+              <a:rPr lang="en-US" altLang="ja-JP" sz="2000" dirty="0" smtClean="0"/>
+              <a:t>)</a:t>
+            </a:r>
+            <a:endParaRPr lang="en-US" altLang="ja-JP" sz="2000" dirty="0"/>
+          </a:p>
+        </p:txBody>
+      </p:sp>
+      <p:sp>
+        <p:nvSpPr>
+          <p:cNvPr id="24" name="Oval 14"/>
+          <p:cNvSpPr>
+            <a:spLocks noChangeArrowheads="1"/>
+          </p:cNvSpPr>
+          <p:nvPr/>
+        </p:nvSpPr>
+        <p:spPr bwMode="auto">
+          <a:xfrm>
+            <a:off x="2583647" y="2956421"/>
+            <a:ext cx="100089" cy="104083"/>
+          </a:xfrm>
+          <a:prstGeom prst="ellipse">
+            <a:avLst/>
+          </a:prstGeom>
+          <a:solidFill>
+            <a:srgbClr val="FF0000"/>
+          </a:solidFill>
+          <a:ln>
+            <a:noFill/>
+          </a:ln>
+          <a:extLst>
+            <a:ext uri="{91240B29-F687-4F45-9708-019B960494DF}">
+              <a14:hiddenLine xmlns:a14="http://schemas.microsoft.com/office/drawing/2010/main" w="9525" algn="ctr">
+                <a:solidFill>
+                  <a:srgbClr val="000000"/>
+                </a:solidFill>
+                <a:round/>
+                <a:headEnd/>
+                <a:tailEnd/>
+              </a14:hiddenLine>
+            </a:ext>
+          </a:extLst>
+        </p:spPr>
+        <p:txBody>
+          <a:bodyPr wrap="square" anchor="ctr">
+            <a:spAutoFit/>
+          </a:bodyPr>
+          <a:lstStyle>
+            <a:lvl1pPr>
+              <a:spcBef>
+                <a:spcPct val="20000"/>
+              </a:spcBef>
+              <a:buChar char="•"/>
+              <a:defRPr kumimoji="1" sz="2400">
+                <a:solidFill>
+                  <a:schemeClr val="tx1"/>
+                </a:solidFill>
+                <a:latin typeface="Arial" charset="0"/>
+                <a:ea typeface="ＭＳ Ｐゴシック" pitchFamily="34" charset="-128"/>
+              </a:defRPr>
+            </a:lvl1pPr>
+            <a:lvl2pPr marL="742950" indent="-285750">
+              <a:spcBef>
+                <a:spcPct val="20000"/>
+              </a:spcBef>
+              <a:buFont typeface="Arial" charset="0"/>
+              <a:buChar char="‒"/>
+              <a:defRPr kumimoji="1" sz="2400">
+                <a:solidFill>
+                  <a:schemeClr val="tx1"/>
+                </a:solidFill>
+                <a:latin typeface="Arial" charset="0"/>
+                <a:ea typeface="ＭＳ Ｐゴシック" pitchFamily="34" charset="-128"/>
+              </a:defRPr>
+            </a:lvl2pPr>
+            <a:lvl3pPr marL="1143000" indent="-228600">
+              <a:spcBef>
+                <a:spcPct val="20000"/>
+              </a:spcBef>
+              <a:buFont typeface="Arial" charset="0"/>
+              <a:buChar char="□"/>
+              <a:defRPr kumimoji="1" sz="2000">
+                <a:solidFill>
+                  <a:schemeClr val="tx1"/>
+                </a:solidFill>
+                <a:latin typeface="Arial" charset="0"/>
+                <a:ea typeface="ＭＳ Ｐゴシック" pitchFamily="34" charset="-128"/>
+              </a:defRPr>
+            </a:lvl3pPr>
+            <a:lvl4pPr marL="1600200" indent="-228600">
+              <a:spcBef>
+                <a:spcPct val="20000"/>
+              </a:spcBef>
+              <a:buFont typeface="Times New Roman" pitchFamily="18" charset="0"/>
+              <a:buChar char="»"/>
+              <a:defRPr kumimoji="1" sz="2000">
+                <a:solidFill>
+                  <a:schemeClr val="tx1"/>
+                </a:solidFill>
+                <a:latin typeface="Arial" charset="0"/>
+                <a:ea typeface="ＭＳ Ｐゴシック" pitchFamily="34" charset="-128"/>
+              </a:defRPr>
+            </a:lvl4pPr>
+            <a:lvl5pPr marL="2057400" indent="-228600">
+              <a:spcBef>
+                <a:spcPct val="20000"/>
+              </a:spcBef>
+              <a:buChar char="»"/>
+              <a:defRPr kumimoji="1" sz="2000" b="1">
+                <a:solidFill>
+                  <a:schemeClr val="tx1"/>
+                </a:solidFill>
+                <a:latin typeface="Times New Roman" pitchFamily="18" charset="0"/>
+                <a:ea typeface="ＭＳ Ｐゴシック" pitchFamily="34" charset="-128"/>
+              </a:defRPr>
+            </a:lvl5pPr>
+            <a:lvl6pPr marL="2514600" indent="-228600" eaLnBrk="0" fontAlgn="base" hangingPunct="0">
+              <a:spcBef>
+                <a:spcPct val="20000"/>
+              </a:spcBef>
+              <a:spcAft>
+                <a:spcPct val="0"/>
+              </a:spcAft>
+              <a:buChar char="»"/>
+              <a:defRPr kumimoji="1" sz="2000" b="1">
+                <a:solidFill>
+                  <a:schemeClr val="tx1"/>
+                </a:solidFill>
+                <a:latin typeface="Times New Roman" pitchFamily="18" charset="0"/>
+                <a:ea typeface="ＭＳ Ｐゴシック" pitchFamily="34" charset="-128"/>
+              </a:defRPr>
+            </a:lvl6pPr>
+            <a:lvl7pPr marL="2971800" indent="-228600" eaLnBrk="0" fontAlgn="base" hangingPunct="0">
+              <a:spcBef>
+                <a:spcPct val="20000"/>
+              </a:spcBef>
+              <a:spcAft>
+                <a:spcPct val="0"/>
+              </a:spcAft>
+              <a:buChar char="»"/>
+              <a:defRPr kumimoji="1" sz="2000" b="1">
+                <a:solidFill>
+                  <a:schemeClr val="tx1"/>
+                </a:solidFill>
+                <a:latin typeface="Times New Roman" pitchFamily="18" charset="0"/>
+                <a:ea typeface="ＭＳ Ｐゴシック" pitchFamily="34" charset="-128"/>
+              </a:defRPr>
+            </a:lvl7pPr>
+            <a:lvl8pPr marL="3429000" indent="-228600" eaLnBrk="0" fontAlgn="base" hangingPunct="0">
+              <a:spcBef>
+                <a:spcPct val="20000"/>
+              </a:spcBef>
+              <a:spcAft>
+                <a:spcPct val="0"/>
+              </a:spcAft>
+              <a:buChar char="»"/>
+              <a:defRPr kumimoji="1" sz="2000" b="1">
+                <a:solidFill>
+                  <a:schemeClr val="tx1"/>
+                </a:solidFill>
+                <a:latin typeface="Times New Roman" pitchFamily="18" charset="0"/>
+                <a:ea typeface="ＭＳ Ｐゴシック" pitchFamily="34" charset="-128"/>
+              </a:defRPr>
+            </a:lvl8pPr>
+            <a:lvl9pPr marL="3886200" indent="-228600" eaLnBrk="0" fontAlgn="base" hangingPunct="0">
+              <a:spcBef>
+                <a:spcPct val="20000"/>
+              </a:spcBef>
+              <a:spcAft>
+                <a:spcPct val="0"/>
+              </a:spcAft>
+              <a:buChar char="»"/>
+              <a:defRPr kumimoji="1" sz="2000" b="1">
+                <a:solidFill>
+                  <a:schemeClr val="tx1"/>
+                </a:solidFill>
+                <a:latin typeface="Times New Roman" pitchFamily="18" charset="0"/>
+                <a:ea typeface="ＭＳ Ｐゴシック" pitchFamily="34" charset="-128"/>
+              </a:defRPr>
+            </a:lvl9pPr>
+          </a:lstStyle>
+          <a:p>
+            <a:pPr eaLnBrk="1" hangingPunct="1">
+              <a:spcBef>
+                <a:spcPct val="0"/>
+              </a:spcBef>
+              <a:buFontTx/>
+              <a:buNone/>
+            </a:pPr>
+            <a:endParaRPr lang="en-US" altLang="ja-JP" sz="2000"/>
+          </a:p>
+        </p:txBody>
+      </p:sp>
+    </p:spTree>
+    <p:extLst>
+      <p:ext uri="{BB962C8B-B14F-4D97-AF65-F5344CB8AC3E}">
+        <p14:creationId xmlns:p14="http://schemas.microsoft.com/office/powerpoint/2010/main" val="3921452451"/>
       </p:ext>
     </p:extLst>
   </p:cSld>
@@ -11741,594 +14135,6 @@
           </a:prstGeom>
         </p:spPr>
       </p:pic>
-      <p:pic>
-        <p:nvPicPr>
-          <p:cNvPr id="8" name="Picture 12" descr="TP_tmp"/>
-          <p:cNvPicPr>
-            <a:picLocks noChangeAspect="1" noChangeArrowheads="1"/>
-          </p:cNvPicPr>
-          <p:nvPr/>
-        </p:nvPicPr>
-        <p:blipFill>
-          <a:blip r:embed="rId5">
-            <a:clrChange>
-              <a:clrFrom>
-                <a:srgbClr val="FFFFFF"/>
-              </a:clrFrom>
-              <a:clrTo>
-                <a:srgbClr val="FFFFFF">
-                  <a:alpha val="0"/>
-                </a:srgbClr>
-              </a:clrTo>
-            </a:clrChange>
-            <a:extLst>
-              <a:ext uri="{28A0092B-C50C-407E-A947-70E740481C1C}">
-                <a14:useLocalDpi xmlns:a14="http://schemas.microsoft.com/office/drawing/2010/main" val="0"/>
-              </a:ext>
-            </a:extLst>
-          </a:blip>
-          <a:srcRect/>
-          <a:stretch>
-            <a:fillRect/>
-          </a:stretch>
-        </p:blipFill>
-        <p:spPr bwMode="auto">
-          <a:xfrm>
-            <a:off x="5260702" y="1833460"/>
-            <a:ext cx="3016250" cy="1358900"/>
-          </a:xfrm>
-          <a:prstGeom prst="rect">
-            <a:avLst/>
-          </a:prstGeom>
-          <a:noFill/>
-          <a:ln>
-            <a:noFill/>
-          </a:ln>
-          <a:extLst>
-            <a:ext uri="{909E8E84-426E-40DD-AFC4-6F175D3DCCD1}">
-              <a14:hiddenFill xmlns:a14="http://schemas.microsoft.com/office/drawing/2010/main">
-                <a:solidFill>
-                  <a:srgbClr val="FFFFFF"/>
-                </a:solidFill>
-              </a14:hiddenFill>
-            </a:ext>
-            <a:ext uri="{91240B29-F687-4F45-9708-019B960494DF}">
-              <a14:hiddenLine xmlns:a14="http://schemas.microsoft.com/office/drawing/2010/main" w="9525" algn="ctr">
-                <a:solidFill>
-                  <a:srgbClr val="000000"/>
-                </a:solidFill>
-                <a:miter lim="800000"/>
-                <a:headEnd/>
-                <a:tailEnd/>
-              </a14:hiddenLine>
-            </a:ext>
-          </a:extLst>
-        </p:spPr>
-      </p:pic>
-      <p:pic>
-        <p:nvPicPr>
-          <p:cNvPr id="9" name="Picture 9" descr="TP_tmp"/>
-          <p:cNvPicPr>
-            <a:picLocks noChangeAspect="1" noChangeArrowheads="1"/>
-          </p:cNvPicPr>
-          <p:nvPr/>
-        </p:nvPicPr>
-        <p:blipFill>
-          <a:blip r:embed="rId6">
-            <a:clrChange>
-              <a:clrFrom>
-                <a:srgbClr val="FFFFFF"/>
-              </a:clrFrom>
-              <a:clrTo>
-                <a:srgbClr val="FFFFFF">
-                  <a:alpha val="0"/>
-                </a:srgbClr>
-              </a:clrTo>
-            </a:clrChange>
-            <a:extLst>
-              <a:ext uri="{28A0092B-C50C-407E-A947-70E740481C1C}">
-                <a14:useLocalDpi xmlns:a14="http://schemas.microsoft.com/office/drawing/2010/main" val="0"/>
-              </a:ext>
-            </a:extLst>
-          </a:blip>
-          <a:srcRect/>
-          <a:stretch>
-            <a:fillRect/>
-          </a:stretch>
-        </p:blipFill>
-        <p:spPr bwMode="auto">
-          <a:xfrm>
-            <a:off x="4909071" y="3250811"/>
-            <a:ext cx="3719513" cy="1357313"/>
-          </a:xfrm>
-          <a:prstGeom prst="rect">
-            <a:avLst/>
-          </a:prstGeom>
-          <a:noFill/>
-          <a:ln>
-            <a:noFill/>
-          </a:ln>
-          <a:extLst>
-            <a:ext uri="{909E8E84-426E-40DD-AFC4-6F175D3DCCD1}">
-              <a14:hiddenFill xmlns:a14="http://schemas.microsoft.com/office/drawing/2010/main">
-                <a:solidFill>
-                  <a:srgbClr val="FFFFFF"/>
-                </a:solidFill>
-              </a14:hiddenFill>
-            </a:ext>
-            <a:ext uri="{91240B29-F687-4F45-9708-019B960494DF}">
-              <a14:hiddenLine xmlns:a14="http://schemas.microsoft.com/office/drawing/2010/main" w="9525" algn="ctr">
-                <a:solidFill>
-                  <a:srgbClr val="000000"/>
-                </a:solidFill>
-                <a:miter lim="800000"/>
-                <a:headEnd/>
-                <a:tailEnd/>
-              </a14:hiddenLine>
-            </a:ext>
-          </a:extLst>
-        </p:spPr>
-      </p:pic>
-      <p:grpSp>
-        <p:nvGrpSpPr>
-          <p:cNvPr id="10" name="Gruppieren 2"/>
-          <p:cNvGrpSpPr>
-            <a:grpSpLocks/>
-          </p:cNvGrpSpPr>
-          <p:nvPr/>
-        </p:nvGrpSpPr>
-        <p:grpSpPr bwMode="auto">
-          <a:xfrm>
-            <a:off x="4940449" y="4662488"/>
-            <a:ext cx="3719512" cy="1357312"/>
-            <a:chOff x="4364182" y="4648200"/>
-            <a:chExt cx="3719513" cy="1357312"/>
-          </a:xfrm>
-        </p:grpSpPr>
-        <p:pic>
-          <p:nvPicPr>
-            <p:cNvPr id="11" name="Picture 9" descr="TP_tmp"/>
-            <p:cNvPicPr>
-              <a:picLocks noChangeAspect="1" noChangeArrowheads="1"/>
-            </p:cNvPicPr>
-            <p:nvPr/>
-          </p:nvPicPr>
-          <p:blipFill>
-            <a:blip r:embed="rId6">
-              <a:clrChange>
-                <a:clrFrom>
-                  <a:srgbClr val="FFFFFF"/>
-                </a:clrFrom>
-                <a:clrTo>
-                  <a:srgbClr val="FFFFFF">
-                    <a:alpha val="0"/>
-                  </a:srgbClr>
-                </a:clrTo>
-              </a:clrChange>
-              <a:extLst>
-                <a:ext uri="{28A0092B-C50C-407E-A947-70E740481C1C}">
-                  <a14:useLocalDpi xmlns:a14="http://schemas.microsoft.com/office/drawing/2010/main" val="0"/>
-                </a:ext>
-              </a:extLst>
-            </a:blip>
-            <a:srcRect/>
-            <a:stretch>
-              <a:fillRect/>
-            </a:stretch>
-          </p:blipFill>
-          <p:spPr bwMode="auto">
-            <a:xfrm>
-              <a:off x="4364182" y="4648200"/>
-              <a:ext cx="3719513" cy="1357312"/>
-            </a:xfrm>
-            <a:prstGeom prst="rect">
-              <a:avLst/>
-            </a:prstGeom>
-            <a:noFill/>
-            <a:ln>
-              <a:noFill/>
-            </a:ln>
-            <a:extLst>
-              <a:ext uri="{909E8E84-426E-40DD-AFC4-6F175D3DCCD1}">
-                <a14:hiddenFill xmlns:a14="http://schemas.microsoft.com/office/drawing/2010/main">
-                  <a:solidFill>
-                    <a:srgbClr val="FFFFFF"/>
-                  </a:solidFill>
-                </a14:hiddenFill>
-              </a:ext>
-              <a:ext uri="{91240B29-F687-4F45-9708-019B960494DF}">
-                <a14:hiddenLine xmlns:a14="http://schemas.microsoft.com/office/drawing/2010/main" w="9525" algn="ctr">
-                  <a:solidFill>
-                    <a:srgbClr val="000000"/>
-                  </a:solidFill>
-                  <a:miter lim="800000"/>
-                  <a:headEnd/>
-                  <a:tailEnd/>
-                </a14:hiddenLine>
-              </a:ext>
-            </a:extLst>
-          </p:spPr>
-        </p:pic>
-        <p:sp>
-          <p:nvSpPr>
-            <p:cNvPr id="12" name="Rechteck 1"/>
-            <p:cNvSpPr>
-              <a:spLocks noChangeArrowheads="1"/>
-            </p:cNvSpPr>
-            <p:nvPr/>
-          </p:nvSpPr>
-          <p:spPr bwMode="auto">
-            <a:xfrm>
-              <a:off x="5723925" y="4920204"/>
-              <a:ext cx="1421557" cy="685800"/>
-            </a:xfrm>
-            <a:prstGeom prst="rect">
-              <a:avLst/>
-            </a:prstGeom>
-            <a:solidFill>
-              <a:schemeClr val="bg1"/>
-            </a:solidFill>
-            <a:ln>
-              <a:noFill/>
-            </a:ln>
-            <a:extLst>
-              <a:ext uri="{91240B29-F687-4F45-9708-019B960494DF}">
-                <a14:hiddenLine xmlns:a14="http://schemas.microsoft.com/office/drawing/2010/main" w="9525" algn="ctr">
-                  <a:solidFill>
-                    <a:srgbClr val="000000"/>
-                  </a:solidFill>
-                  <a:round/>
-                  <a:headEnd/>
-                  <a:tailEnd/>
-                </a14:hiddenLine>
-              </a:ext>
-            </a:extLst>
-          </p:spPr>
-          <p:txBody>
-            <a:bodyPr wrap="square">
-              <a:spAutoFit/>
-            </a:bodyPr>
-            <a:lstStyle>
-              <a:lvl1pPr eaLnBrk="0" hangingPunct="0">
-                <a:defRPr kumimoji="1" sz="1600">
-                  <a:solidFill>
-                    <a:schemeClr val="tx1"/>
-                  </a:solidFill>
-                  <a:latin typeface="Arial" charset="0"/>
-                  <a:ea typeface="ＭＳ Ｐゴシック" pitchFamily="34" charset="-128"/>
-                </a:defRPr>
-              </a:lvl1pPr>
-              <a:lvl2pPr marL="742950" indent="-285750" eaLnBrk="0" hangingPunct="0">
-                <a:defRPr kumimoji="1" sz="1600">
-                  <a:solidFill>
-                    <a:schemeClr val="tx1"/>
-                  </a:solidFill>
-                  <a:latin typeface="Arial" charset="0"/>
-                  <a:ea typeface="ＭＳ Ｐゴシック" pitchFamily="34" charset="-128"/>
-                </a:defRPr>
-              </a:lvl2pPr>
-              <a:lvl3pPr marL="1143000" indent="-228600" eaLnBrk="0" hangingPunct="0">
-                <a:defRPr kumimoji="1" sz="1600">
-                  <a:solidFill>
-                    <a:schemeClr val="tx1"/>
-                  </a:solidFill>
-                  <a:latin typeface="Arial" charset="0"/>
-                  <a:ea typeface="ＭＳ Ｐゴシック" pitchFamily="34" charset="-128"/>
-                </a:defRPr>
-              </a:lvl3pPr>
-              <a:lvl4pPr marL="1600200" indent="-228600" eaLnBrk="0" hangingPunct="0">
-                <a:defRPr kumimoji="1" sz="1600">
-                  <a:solidFill>
-                    <a:schemeClr val="tx1"/>
-                  </a:solidFill>
-                  <a:latin typeface="Arial" charset="0"/>
-                  <a:ea typeface="ＭＳ Ｐゴシック" pitchFamily="34" charset="-128"/>
-                </a:defRPr>
-              </a:lvl4pPr>
-              <a:lvl5pPr marL="2057400" indent="-228600" eaLnBrk="0" hangingPunct="0">
-                <a:defRPr kumimoji="1" sz="1600">
-                  <a:solidFill>
-                    <a:schemeClr val="tx1"/>
-                  </a:solidFill>
-                  <a:latin typeface="Arial" charset="0"/>
-                  <a:ea typeface="ＭＳ Ｐゴシック" pitchFamily="34" charset="-128"/>
-                </a:defRPr>
-              </a:lvl5pPr>
-              <a:lvl6pPr marL="2514600" indent="-228600" eaLnBrk="0" fontAlgn="base" hangingPunct="0">
-                <a:spcBef>
-                  <a:spcPct val="0"/>
-                </a:spcBef>
-                <a:spcAft>
-                  <a:spcPct val="0"/>
-                </a:spcAft>
-                <a:defRPr kumimoji="1" sz="1600">
-                  <a:solidFill>
-                    <a:schemeClr val="tx1"/>
-                  </a:solidFill>
-                  <a:latin typeface="Arial" charset="0"/>
-                  <a:ea typeface="ＭＳ Ｐゴシック" pitchFamily="34" charset="-128"/>
-                </a:defRPr>
-              </a:lvl6pPr>
-              <a:lvl7pPr marL="2971800" indent="-228600" eaLnBrk="0" fontAlgn="base" hangingPunct="0">
-                <a:spcBef>
-                  <a:spcPct val="0"/>
-                </a:spcBef>
-                <a:spcAft>
-                  <a:spcPct val="0"/>
-                </a:spcAft>
-                <a:defRPr kumimoji="1" sz="1600">
-                  <a:solidFill>
-                    <a:schemeClr val="tx1"/>
-                  </a:solidFill>
-                  <a:latin typeface="Arial" charset="0"/>
-                  <a:ea typeface="ＭＳ Ｐゴシック" pitchFamily="34" charset="-128"/>
-                </a:defRPr>
-              </a:lvl7pPr>
-              <a:lvl8pPr marL="3429000" indent="-228600" eaLnBrk="0" fontAlgn="base" hangingPunct="0">
-                <a:spcBef>
-                  <a:spcPct val="0"/>
-                </a:spcBef>
-                <a:spcAft>
-                  <a:spcPct val="0"/>
-                </a:spcAft>
-                <a:defRPr kumimoji="1" sz="1600">
-                  <a:solidFill>
-                    <a:schemeClr val="tx1"/>
-                  </a:solidFill>
-                  <a:latin typeface="Arial" charset="0"/>
-                  <a:ea typeface="ＭＳ Ｐゴシック" pitchFamily="34" charset="-128"/>
-                </a:defRPr>
-              </a:lvl8pPr>
-              <a:lvl9pPr marL="3886200" indent="-228600" eaLnBrk="0" fontAlgn="base" hangingPunct="0">
-                <a:spcBef>
-                  <a:spcPct val="0"/>
-                </a:spcBef>
-                <a:spcAft>
-                  <a:spcPct val="0"/>
-                </a:spcAft>
-                <a:defRPr kumimoji="1" sz="1600">
-                  <a:solidFill>
-                    <a:schemeClr val="tx1"/>
-                  </a:solidFill>
-                  <a:latin typeface="Arial" charset="0"/>
-                  <a:ea typeface="ＭＳ Ｐゴシック" pitchFamily="34" charset="-128"/>
-                </a:defRPr>
-              </a:lvl9pPr>
-            </a:lstStyle>
-            <a:p>
-              <a:pPr algn="ctr" eaLnBrk="1" hangingPunct="1">
-                <a:spcBef>
-                  <a:spcPct val="50000"/>
-                </a:spcBef>
-              </a:pPr>
-              <a:endParaRPr lang="de-DE" altLang="fr-FR"/>
-            </a:p>
-          </p:txBody>
-        </p:sp>
-        <p:pic>
-          <p:nvPicPr>
-            <p:cNvPr id="13" name="Picture 12" descr="TP_tmp"/>
-            <p:cNvPicPr>
-              <a:picLocks noChangeAspect="1" noChangeArrowheads="1"/>
-            </p:cNvPicPr>
-            <p:nvPr/>
-          </p:nvPicPr>
-          <p:blipFill>
-            <a:blip r:embed="rId5">
-              <a:clrChange>
-                <a:clrFrom>
-                  <a:srgbClr val="FFFFFF"/>
-                </a:clrFrom>
-                <a:clrTo>
-                  <a:srgbClr val="FFFFFF">
-                    <a:alpha val="0"/>
-                  </a:srgbClr>
-                </a:clrTo>
-              </a:clrChange>
-              <a:extLst>
-                <a:ext uri="{28A0092B-C50C-407E-A947-70E740481C1C}">
-                  <a14:useLocalDpi xmlns:a14="http://schemas.microsoft.com/office/drawing/2010/main" val="0"/>
-                </a:ext>
-              </a:extLst>
-            </a:blip>
-            <a:srcRect l="45988" t="21510" r="40921"/>
-            <a:stretch>
-              <a:fillRect/>
-            </a:stretch>
-          </p:blipFill>
-          <p:spPr bwMode="auto">
-            <a:xfrm>
-              <a:off x="6300355" y="4907973"/>
-              <a:ext cx="394855" cy="1066583"/>
-            </a:xfrm>
-            <a:prstGeom prst="rect">
-              <a:avLst/>
-            </a:prstGeom>
-            <a:noFill/>
-            <a:ln>
-              <a:noFill/>
-            </a:ln>
-            <a:extLst>
-              <a:ext uri="{909E8E84-426E-40DD-AFC4-6F175D3DCCD1}">
-                <a14:hiddenFill xmlns:a14="http://schemas.microsoft.com/office/drawing/2010/main">
-                  <a:solidFill>
-                    <a:srgbClr val="FFFFFF"/>
-                  </a:solidFill>
-                </a14:hiddenFill>
-              </a:ext>
-              <a:ext uri="{91240B29-F687-4F45-9708-019B960494DF}">
-                <a14:hiddenLine xmlns:a14="http://schemas.microsoft.com/office/drawing/2010/main" w="9525" algn="ctr">
-                  <a:solidFill>
-                    <a:srgbClr val="000000"/>
-                  </a:solidFill>
-                  <a:miter lim="800000"/>
-                  <a:headEnd/>
-                  <a:tailEnd/>
-                </a14:hiddenLine>
-              </a:ext>
-            </a:extLst>
-          </p:spPr>
-        </p:pic>
-      </p:grpSp>
-      <p:sp>
-        <p:nvSpPr>
-          <p:cNvPr id="14" name="Geschweifte Klammer links 42"/>
-          <p:cNvSpPr>
-            <a:spLocks/>
-          </p:cNvSpPr>
-          <p:nvPr/>
-        </p:nvSpPr>
-        <p:spPr bwMode="auto">
-          <a:xfrm rot="16200000">
-            <a:off x="6762899" y="3692479"/>
-            <a:ext cx="431800" cy="1485900"/>
-          </a:xfrm>
-          <a:prstGeom prst="leftBrace">
-            <a:avLst>
-              <a:gd name="adj1" fmla="val 8316"/>
-              <a:gd name="adj2" fmla="val 60935"/>
-            </a:avLst>
-          </a:prstGeom>
-          <a:noFill/>
-          <a:ln w="38100" algn="ctr">
-            <a:solidFill>
-              <a:schemeClr val="tx1"/>
-            </a:solidFill>
-            <a:round/>
-            <a:headEnd/>
-            <a:tailEnd/>
-          </a:ln>
-          <a:extLst>
-            <a:ext uri="{909E8E84-426E-40DD-AFC4-6F175D3DCCD1}">
-              <a14:hiddenFill xmlns:a14="http://schemas.microsoft.com/office/drawing/2010/main">
-                <a:solidFill>
-                  <a:srgbClr val="FFFFFF"/>
-                </a:solidFill>
-              </a14:hiddenFill>
-            </a:ext>
-          </a:extLst>
-        </p:spPr>
-        <p:txBody>
-          <a:bodyPr>
-            <a:spAutoFit/>
-          </a:bodyPr>
-          <a:lstStyle>
-            <a:lvl1pPr eaLnBrk="0" hangingPunct="0">
-              <a:defRPr kumimoji="1" sz="1600">
-                <a:solidFill>
-                  <a:schemeClr val="tx1"/>
-                </a:solidFill>
-                <a:latin typeface="Arial" charset="0"/>
-                <a:ea typeface="ＭＳ Ｐゴシック" pitchFamily="34" charset="-128"/>
-              </a:defRPr>
-            </a:lvl1pPr>
-            <a:lvl2pPr marL="742950" indent="-285750" eaLnBrk="0" hangingPunct="0">
-              <a:defRPr kumimoji="1" sz="1600">
-                <a:solidFill>
-                  <a:schemeClr val="tx1"/>
-                </a:solidFill>
-                <a:latin typeface="Arial" charset="0"/>
-                <a:ea typeface="ＭＳ Ｐゴシック" pitchFamily="34" charset="-128"/>
-              </a:defRPr>
-            </a:lvl2pPr>
-            <a:lvl3pPr marL="1143000" indent="-228600" eaLnBrk="0" hangingPunct="0">
-              <a:defRPr kumimoji="1" sz="1600">
-                <a:solidFill>
-                  <a:schemeClr val="tx1"/>
-                </a:solidFill>
-                <a:latin typeface="Arial" charset="0"/>
-                <a:ea typeface="ＭＳ Ｐゴシック" pitchFamily="34" charset="-128"/>
-              </a:defRPr>
-            </a:lvl3pPr>
-            <a:lvl4pPr marL="1600200" indent="-228600" eaLnBrk="0" hangingPunct="0">
-              <a:defRPr kumimoji="1" sz="1600">
-                <a:solidFill>
-                  <a:schemeClr val="tx1"/>
-                </a:solidFill>
-                <a:latin typeface="Arial" charset="0"/>
-                <a:ea typeface="ＭＳ Ｐゴシック" pitchFamily="34" charset="-128"/>
-              </a:defRPr>
-            </a:lvl4pPr>
-            <a:lvl5pPr marL="2057400" indent="-228600" eaLnBrk="0" hangingPunct="0">
-              <a:defRPr kumimoji="1" sz="1600">
-                <a:solidFill>
-                  <a:schemeClr val="tx1"/>
-                </a:solidFill>
-                <a:latin typeface="Arial" charset="0"/>
-                <a:ea typeface="ＭＳ Ｐゴシック" pitchFamily="34" charset="-128"/>
-              </a:defRPr>
-            </a:lvl5pPr>
-            <a:lvl6pPr marL="2514600" indent="-228600" eaLnBrk="0" fontAlgn="base" hangingPunct="0">
-              <a:spcBef>
-                <a:spcPct val="0"/>
-              </a:spcBef>
-              <a:spcAft>
-                <a:spcPct val="0"/>
-              </a:spcAft>
-              <a:defRPr kumimoji="1" sz="1600">
-                <a:solidFill>
-                  <a:schemeClr val="tx1"/>
-                </a:solidFill>
-                <a:latin typeface="Arial" charset="0"/>
-                <a:ea typeface="ＭＳ Ｐゴシック" pitchFamily="34" charset="-128"/>
-              </a:defRPr>
-            </a:lvl6pPr>
-            <a:lvl7pPr marL="2971800" indent="-228600" eaLnBrk="0" fontAlgn="base" hangingPunct="0">
-              <a:spcBef>
-                <a:spcPct val="0"/>
-              </a:spcBef>
-              <a:spcAft>
-                <a:spcPct val="0"/>
-              </a:spcAft>
-              <a:defRPr kumimoji="1" sz="1600">
-                <a:solidFill>
-                  <a:schemeClr val="tx1"/>
-                </a:solidFill>
-                <a:latin typeface="Arial" charset="0"/>
-                <a:ea typeface="ＭＳ Ｐゴシック" pitchFamily="34" charset="-128"/>
-              </a:defRPr>
-            </a:lvl7pPr>
-            <a:lvl8pPr marL="3429000" indent="-228600" eaLnBrk="0" fontAlgn="base" hangingPunct="0">
-              <a:spcBef>
-                <a:spcPct val="0"/>
-              </a:spcBef>
-              <a:spcAft>
-                <a:spcPct val="0"/>
-              </a:spcAft>
-              <a:defRPr kumimoji="1" sz="1600">
-                <a:solidFill>
-                  <a:schemeClr val="tx1"/>
-                </a:solidFill>
-                <a:latin typeface="Arial" charset="0"/>
-                <a:ea typeface="ＭＳ Ｐゴシック" pitchFamily="34" charset="-128"/>
-              </a:defRPr>
-            </a:lvl8pPr>
-            <a:lvl9pPr marL="3886200" indent="-228600" eaLnBrk="0" fontAlgn="base" hangingPunct="0">
-              <a:spcBef>
-                <a:spcPct val="0"/>
-              </a:spcBef>
-              <a:spcAft>
-                <a:spcPct val="0"/>
-              </a:spcAft>
-              <a:defRPr kumimoji="1" sz="1600">
-                <a:solidFill>
-                  <a:schemeClr val="tx1"/>
-                </a:solidFill>
-                <a:latin typeface="Arial" charset="0"/>
-                <a:ea typeface="ＭＳ Ｐゴシック" pitchFamily="34" charset="-128"/>
-              </a:defRPr>
-            </a:lvl9pPr>
-          </a:lstStyle>
-          <a:p>
-            <a:pPr algn="ctr" eaLnBrk="1" hangingPunct="1">
-              <a:spcBef>
-                <a:spcPct val="50000"/>
-              </a:spcBef>
-            </a:pPr>
-            <a:endParaRPr lang="de-DE" altLang="fr-FR"/>
-          </a:p>
-        </p:txBody>
-      </p:sp>
       <p:grpSp>
         <p:nvGrpSpPr>
           <p:cNvPr id="15" name="Group 5"/>
@@ -12339,8 +14145,8 @@
         </p:nvGrpSpPr>
         <p:grpSpPr bwMode="auto">
           <a:xfrm rot="443262">
-            <a:off x="3093708" y="4030865"/>
-            <a:ext cx="464857" cy="427792"/>
+            <a:off x="3024910" y="4493994"/>
+            <a:ext cx="600172" cy="578508"/>
             <a:chOff x="2893" y="2655"/>
             <a:chExt cx="267" cy="340"/>
           </a:xfrm>
@@ -12730,8 +14536,8 @@
         </p:nvSpPr>
         <p:spPr bwMode="auto">
           <a:xfrm rot="16200000">
-            <a:off x="2090335" y="2023463"/>
-            <a:ext cx="1696738" cy="1611384"/>
+            <a:off x="2025973" y="2087824"/>
+            <a:ext cx="2294517" cy="2080440"/>
           </a:xfrm>
           <a:prstGeom prst="parallelogram">
             <a:avLst>
@@ -12908,8 +14714,8 @@
         </p:nvGrpSpPr>
         <p:grpSpPr bwMode="auto">
           <a:xfrm rot="2227789">
-            <a:off x="1063622" y="3608147"/>
-            <a:ext cx="442643" cy="531682"/>
+            <a:off x="906804" y="4023284"/>
+            <a:ext cx="571492" cy="718999"/>
             <a:chOff x="2893" y="2655"/>
             <a:chExt cx="267" cy="340"/>
           </a:xfrm>
@@ -13299,8 +15105,8 @@
         </p:nvSpPr>
         <p:spPr bwMode="auto">
           <a:xfrm>
-            <a:off x="398984" y="4194255"/>
-            <a:ext cx="1246970" cy="707886"/>
+            <a:off x="460155" y="4867394"/>
+            <a:ext cx="1609949" cy="707886"/>
           </a:xfrm>
           <a:prstGeom prst="rect">
             <a:avLst/>
@@ -13522,8 +15328,8 @@
         </p:nvSpPr>
         <p:spPr bwMode="auto">
           <a:xfrm>
-            <a:off x="2932957" y="4487942"/>
-            <a:ext cx="1102185" cy="707886"/>
+            <a:off x="2830716" y="5062076"/>
+            <a:ext cx="1423019" cy="707886"/>
           </a:xfrm>
           <a:prstGeom prst="rect">
             <a:avLst/>
@@ -13746,7 +15552,7 @@
         <p:spPr bwMode="auto">
           <a:xfrm>
             <a:off x="2932957" y="2408827"/>
-            <a:ext cx="100089" cy="104083"/>
+            <a:ext cx="129224" cy="140753"/>
           </a:xfrm>
           <a:prstGeom prst="ellipse">
             <a:avLst/>
@@ -13933,7 +15739,7 @@
           </p:nvPr>
         </p:nvPicPr>
         <p:blipFill>
-          <a:blip r:embed="rId7" cstate="print">
+          <a:blip r:embed="rId5" cstate="print">
             <a:clrChange>
               <a:clrFrom>
                 <a:srgbClr val="FFFFFF"/>
@@ -13957,8 +15763,8 @@
         </p:blipFill>
         <p:spPr bwMode="auto">
           <a:xfrm>
-            <a:off x="193935" y="5341144"/>
-            <a:ext cx="1939077" cy="896168"/>
+            <a:off x="5468222" y="2368754"/>
+            <a:ext cx="2831839" cy="1308769"/>
           </a:xfrm>
           <a:prstGeom prst="rect">
             <a:avLst/>
@@ -14001,7 +15807,7 @@
           </p:nvPr>
         </p:nvPicPr>
         <p:blipFill>
-          <a:blip r:embed="rId8" cstate="print">
+          <a:blip r:embed="rId6" cstate="print">
             <a:clrChange>
               <a:clrFrom>
                 <a:srgbClr val="FFFFFF"/>
@@ -14025,8 +15831,8 @@
         </p:blipFill>
         <p:spPr bwMode="auto">
           <a:xfrm>
-            <a:off x="2478201" y="5341144"/>
-            <a:ext cx="1939077" cy="896168"/>
+            <a:off x="5307852" y="4347753"/>
+            <a:ext cx="3152580" cy="1457003"/>
           </a:xfrm>
           <a:prstGeom prst="rect">
             <a:avLst/>
@@ -14056,41 +15862,6 @@
           </a:extLst>
         </p:spPr>
       </p:pic>
-      <p:cxnSp>
-        <p:nvCxnSpPr>
-          <p:cNvPr id="27" name="Connecteur droit 26"/>
-          <p:cNvCxnSpPr/>
-          <p:nvPr/>
-        </p:nvCxnSpPr>
-        <p:spPr>
-          <a:xfrm>
-            <a:off x="4615433" y="1804137"/>
-            <a:ext cx="0" cy="4780235"/>
-          </a:xfrm>
-          <a:prstGeom prst="line">
-            <a:avLst/>
-          </a:prstGeom>
-          <a:ln w="139700">
-            <a:solidFill>
-              <a:schemeClr val="accent1"/>
-            </a:solidFill>
-          </a:ln>
-        </p:spPr>
-        <p:style>
-          <a:lnRef idx="1">
-            <a:schemeClr val="accent1"/>
-          </a:lnRef>
-          <a:fillRef idx="0">
-            <a:schemeClr val="accent1"/>
-          </a:fillRef>
-          <a:effectRef idx="0">
-            <a:schemeClr val="accent1"/>
-          </a:effectRef>
-          <a:fontRef idx="minor">
-            <a:schemeClr val="tx1"/>
-          </a:fontRef>
-        </p:style>
-      </p:cxnSp>
     </p:spTree>
     <p:extLst>
       <p:ext uri="{BB962C8B-B14F-4D97-AF65-F5344CB8AC3E}">
